--- a/[2] 구현/WebSite/TransCompiler_for_beginner StoryBoard.pptx
+++ b/[2] 구현/WebSite/TransCompiler_for_beginner StoryBoard.pptx
@@ -7,6 +7,8 @@
   <p:sldIdLst>
     <p:sldId id="256" r:id="rId2"/>
     <p:sldId id="257" r:id="rId3"/>
+    <p:sldId id="258" r:id="rId4"/>
+    <p:sldId id="259" r:id="rId5"/>
   </p:sldIdLst>
   <p:sldSz cx="12192000" cy="6858000"/>
   <p:notesSz cx="6858000" cy="9144000"/>
@@ -105,6 +107,11 @@
       </a:defRPr>
     </a:lvl9pPr>
   </p:defaultTextStyle>
+  <p:extLst>
+    <p:ext uri="{EFAFB233-063F-42B5-8137-9DF3F51BA10A}">
+      <p15:sldGuideLst xmlns:p15="http://schemas.microsoft.com/office/powerpoint/2012/main"/>
+    </p:ext>
+  </p:extLst>
 </p:presentation>
 </file>
 
@@ -150,10 +157,9 @@
           </a:lstStyle>
           <a:p>
             <a:r>
-              <a:rPr lang="ko-KR" altLang="en-US" smtClean="0"/>
+              <a:rPr lang="ko-KR" altLang="en-US"/>
               <a:t>마스터 제목 스타일 편집</a:t>
             </a:r>
-            <a:endParaRPr lang="ko-KR" altLang="en-US"/>
           </a:p>
         </p:txBody>
       </p:sp>
@@ -215,10 +221,9 @@
           </a:lstStyle>
           <a:p>
             <a:r>
-              <a:rPr lang="ko-KR" altLang="en-US" smtClean="0"/>
+              <a:rPr lang="ko-KR" altLang="en-US"/>
               <a:t>클릭하여 마스터 부제목 스타일 편집</a:t>
             </a:r>
-            <a:endParaRPr lang="ko-KR" altLang="en-US"/>
           </a:p>
         </p:txBody>
       </p:sp>
@@ -239,7 +244,7 @@
           <a:p>
             <a:fld id="{BB49A432-3F97-438E-B13B-757EC1D1DC3C}" type="datetimeFigureOut">
               <a:rPr lang="ko-KR" altLang="en-US" smtClean="0"/>
-              <a:t>2022-10-05</a:t>
+              <a:t>2022-10-08</a:t>
             </a:fld>
             <a:endParaRPr lang="ko-KR" altLang="en-US"/>
           </a:p>
@@ -333,10 +338,9 @@
           <a:lstStyle/>
           <a:p>
             <a:r>
-              <a:rPr lang="ko-KR" altLang="en-US" smtClean="0"/>
+              <a:rPr lang="ko-KR" altLang="en-US"/>
               <a:t>마스터 제목 스타일 편집</a:t>
             </a:r>
-            <a:endParaRPr lang="ko-KR" altLang="en-US"/>
           </a:p>
         </p:txBody>
       </p:sp>
@@ -357,38 +361,37 @@
           <a:p>
             <a:pPr lvl="0"/>
             <a:r>
-              <a:rPr lang="ko-KR" altLang="en-US" smtClean="0"/>
+              <a:rPr lang="ko-KR" altLang="en-US"/>
               <a:t>마스터 텍스트 스타일 편집</a:t>
             </a:r>
           </a:p>
           <a:p>
             <a:pPr lvl="1"/>
             <a:r>
-              <a:rPr lang="ko-KR" altLang="en-US" smtClean="0"/>
+              <a:rPr lang="ko-KR" altLang="en-US"/>
               <a:t>둘째 수준</a:t>
             </a:r>
           </a:p>
           <a:p>
             <a:pPr lvl="2"/>
             <a:r>
-              <a:rPr lang="ko-KR" altLang="en-US" smtClean="0"/>
+              <a:rPr lang="ko-KR" altLang="en-US"/>
               <a:t>셋째 수준</a:t>
             </a:r>
           </a:p>
           <a:p>
             <a:pPr lvl="3"/>
             <a:r>
-              <a:rPr lang="ko-KR" altLang="en-US" smtClean="0"/>
+              <a:rPr lang="ko-KR" altLang="en-US"/>
               <a:t>넷째 수준</a:t>
             </a:r>
           </a:p>
           <a:p>
             <a:pPr lvl="4"/>
             <a:r>
-              <a:rPr lang="ko-KR" altLang="en-US" smtClean="0"/>
+              <a:rPr lang="ko-KR" altLang="en-US"/>
               <a:t>다섯째 수준</a:t>
             </a:r>
-            <a:endParaRPr lang="ko-KR" altLang="en-US"/>
           </a:p>
         </p:txBody>
       </p:sp>
@@ -409,7 +412,7 @@
           <a:p>
             <a:fld id="{BB49A432-3F97-438E-B13B-757EC1D1DC3C}" type="datetimeFigureOut">
               <a:rPr lang="ko-KR" altLang="en-US" smtClean="0"/>
-              <a:t>2022-10-05</a:t>
+              <a:t>2022-10-08</a:t>
             </a:fld>
             <a:endParaRPr lang="ko-KR" altLang="en-US"/>
           </a:p>
@@ -508,10 +511,9 @@
           <a:lstStyle/>
           <a:p>
             <a:r>
-              <a:rPr lang="ko-KR" altLang="en-US" smtClean="0"/>
+              <a:rPr lang="ko-KR" altLang="en-US"/>
               <a:t>마스터 제목 스타일 편집</a:t>
             </a:r>
-            <a:endParaRPr lang="ko-KR" altLang="en-US"/>
           </a:p>
         </p:txBody>
       </p:sp>
@@ -537,38 +539,37 @@
           <a:p>
             <a:pPr lvl="0"/>
             <a:r>
-              <a:rPr lang="ko-KR" altLang="en-US" smtClean="0"/>
+              <a:rPr lang="ko-KR" altLang="en-US"/>
               <a:t>마스터 텍스트 스타일 편집</a:t>
             </a:r>
           </a:p>
           <a:p>
             <a:pPr lvl="1"/>
             <a:r>
-              <a:rPr lang="ko-KR" altLang="en-US" smtClean="0"/>
+              <a:rPr lang="ko-KR" altLang="en-US"/>
               <a:t>둘째 수준</a:t>
             </a:r>
           </a:p>
           <a:p>
             <a:pPr lvl="2"/>
             <a:r>
-              <a:rPr lang="ko-KR" altLang="en-US" smtClean="0"/>
+              <a:rPr lang="ko-KR" altLang="en-US"/>
               <a:t>셋째 수준</a:t>
             </a:r>
           </a:p>
           <a:p>
             <a:pPr lvl="3"/>
             <a:r>
-              <a:rPr lang="ko-KR" altLang="en-US" smtClean="0"/>
+              <a:rPr lang="ko-KR" altLang="en-US"/>
               <a:t>넷째 수준</a:t>
             </a:r>
           </a:p>
           <a:p>
             <a:pPr lvl="4"/>
             <a:r>
-              <a:rPr lang="ko-KR" altLang="en-US" smtClean="0"/>
+              <a:rPr lang="ko-KR" altLang="en-US"/>
               <a:t>다섯째 수준</a:t>
             </a:r>
-            <a:endParaRPr lang="ko-KR" altLang="en-US"/>
           </a:p>
         </p:txBody>
       </p:sp>
@@ -589,7 +590,7 @@
           <a:p>
             <a:fld id="{BB49A432-3F97-438E-B13B-757EC1D1DC3C}" type="datetimeFigureOut">
               <a:rPr lang="ko-KR" altLang="en-US" smtClean="0"/>
-              <a:t>2022-10-05</a:t>
+              <a:t>2022-10-08</a:t>
             </a:fld>
             <a:endParaRPr lang="ko-KR" altLang="en-US"/>
           </a:p>
@@ -683,10 +684,9 @@
           <a:lstStyle/>
           <a:p>
             <a:r>
-              <a:rPr lang="ko-KR" altLang="en-US" smtClean="0"/>
+              <a:rPr lang="ko-KR" altLang="en-US"/>
               <a:t>마스터 제목 스타일 편집</a:t>
             </a:r>
-            <a:endParaRPr lang="ko-KR" altLang="en-US"/>
           </a:p>
         </p:txBody>
       </p:sp>
@@ -707,38 +707,37 @@
           <a:p>
             <a:pPr lvl="0"/>
             <a:r>
-              <a:rPr lang="ko-KR" altLang="en-US" smtClean="0"/>
+              <a:rPr lang="ko-KR" altLang="en-US"/>
               <a:t>마스터 텍스트 스타일 편집</a:t>
             </a:r>
           </a:p>
           <a:p>
             <a:pPr lvl="1"/>
             <a:r>
-              <a:rPr lang="ko-KR" altLang="en-US" smtClean="0"/>
+              <a:rPr lang="ko-KR" altLang="en-US"/>
               <a:t>둘째 수준</a:t>
             </a:r>
           </a:p>
           <a:p>
             <a:pPr lvl="2"/>
             <a:r>
-              <a:rPr lang="ko-KR" altLang="en-US" smtClean="0"/>
+              <a:rPr lang="ko-KR" altLang="en-US"/>
               <a:t>셋째 수준</a:t>
             </a:r>
           </a:p>
           <a:p>
             <a:pPr lvl="3"/>
             <a:r>
-              <a:rPr lang="ko-KR" altLang="en-US" smtClean="0"/>
+              <a:rPr lang="ko-KR" altLang="en-US"/>
               <a:t>넷째 수준</a:t>
             </a:r>
           </a:p>
           <a:p>
             <a:pPr lvl="4"/>
             <a:r>
-              <a:rPr lang="ko-KR" altLang="en-US" smtClean="0"/>
+              <a:rPr lang="ko-KR" altLang="en-US"/>
               <a:t>다섯째 수준</a:t>
             </a:r>
-            <a:endParaRPr lang="ko-KR" altLang="en-US"/>
           </a:p>
         </p:txBody>
       </p:sp>
@@ -759,7 +758,7 @@
           <a:p>
             <a:fld id="{BB49A432-3F97-438E-B13B-757EC1D1DC3C}" type="datetimeFigureOut">
               <a:rPr lang="ko-KR" altLang="en-US" smtClean="0"/>
-              <a:t>2022-10-05</a:t>
+              <a:t>2022-10-08</a:t>
             </a:fld>
             <a:endParaRPr lang="ko-KR" altLang="en-US"/>
           </a:p>
@@ -862,10 +861,9 @@
           </a:lstStyle>
           <a:p>
             <a:r>
-              <a:rPr lang="ko-KR" altLang="en-US" smtClean="0"/>
+              <a:rPr lang="ko-KR" altLang="en-US"/>
               <a:t>마스터 제목 스타일 편집</a:t>
             </a:r>
-            <a:endParaRPr lang="ko-KR" altLang="en-US"/>
           </a:p>
         </p:txBody>
       </p:sp>
@@ -982,7 +980,7 @@
           <a:p>
             <a:pPr lvl="0"/>
             <a:r>
-              <a:rPr lang="ko-KR" altLang="en-US" smtClean="0"/>
+              <a:rPr lang="ko-KR" altLang="en-US"/>
               <a:t>마스터 텍스트 스타일 편집</a:t>
             </a:r>
           </a:p>
@@ -1005,7 +1003,7 @@
           <a:p>
             <a:fld id="{BB49A432-3F97-438E-B13B-757EC1D1DC3C}" type="datetimeFigureOut">
               <a:rPr lang="ko-KR" altLang="en-US" smtClean="0"/>
-              <a:t>2022-10-05</a:t>
+              <a:t>2022-10-08</a:t>
             </a:fld>
             <a:endParaRPr lang="ko-KR" altLang="en-US"/>
           </a:p>
@@ -1099,10 +1097,9 @@
           <a:lstStyle/>
           <a:p>
             <a:r>
-              <a:rPr lang="ko-KR" altLang="en-US" smtClean="0"/>
+              <a:rPr lang="ko-KR" altLang="en-US"/>
               <a:t>마스터 제목 스타일 편집</a:t>
             </a:r>
-            <a:endParaRPr lang="ko-KR" altLang="en-US"/>
           </a:p>
         </p:txBody>
       </p:sp>
@@ -1128,38 +1125,37 @@
           <a:p>
             <a:pPr lvl="0"/>
             <a:r>
-              <a:rPr lang="ko-KR" altLang="en-US" smtClean="0"/>
+              <a:rPr lang="ko-KR" altLang="en-US"/>
               <a:t>마스터 텍스트 스타일 편집</a:t>
             </a:r>
           </a:p>
           <a:p>
             <a:pPr lvl="1"/>
             <a:r>
-              <a:rPr lang="ko-KR" altLang="en-US" smtClean="0"/>
+              <a:rPr lang="ko-KR" altLang="en-US"/>
               <a:t>둘째 수준</a:t>
             </a:r>
           </a:p>
           <a:p>
             <a:pPr lvl="2"/>
             <a:r>
-              <a:rPr lang="ko-KR" altLang="en-US" smtClean="0"/>
+              <a:rPr lang="ko-KR" altLang="en-US"/>
               <a:t>셋째 수준</a:t>
             </a:r>
           </a:p>
           <a:p>
             <a:pPr lvl="3"/>
             <a:r>
-              <a:rPr lang="ko-KR" altLang="en-US" smtClean="0"/>
+              <a:rPr lang="ko-KR" altLang="en-US"/>
               <a:t>넷째 수준</a:t>
             </a:r>
           </a:p>
           <a:p>
             <a:pPr lvl="4"/>
             <a:r>
-              <a:rPr lang="ko-KR" altLang="en-US" smtClean="0"/>
+              <a:rPr lang="ko-KR" altLang="en-US"/>
               <a:t>다섯째 수준</a:t>
             </a:r>
-            <a:endParaRPr lang="ko-KR" altLang="en-US"/>
           </a:p>
         </p:txBody>
       </p:sp>
@@ -1185,38 +1181,37 @@
           <a:p>
             <a:pPr lvl="0"/>
             <a:r>
-              <a:rPr lang="ko-KR" altLang="en-US" smtClean="0"/>
+              <a:rPr lang="ko-KR" altLang="en-US"/>
               <a:t>마스터 텍스트 스타일 편집</a:t>
             </a:r>
           </a:p>
           <a:p>
             <a:pPr lvl="1"/>
             <a:r>
-              <a:rPr lang="ko-KR" altLang="en-US" smtClean="0"/>
+              <a:rPr lang="ko-KR" altLang="en-US"/>
               <a:t>둘째 수준</a:t>
             </a:r>
           </a:p>
           <a:p>
             <a:pPr lvl="2"/>
             <a:r>
-              <a:rPr lang="ko-KR" altLang="en-US" smtClean="0"/>
+              <a:rPr lang="ko-KR" altLang="en-US"/>
               <a:t>셋째 수준</a:t>
             </a:r>
           </a:p>
           <a:p>
             <a:pPr lvl="3"/>
             <a:r>
-              <a:rPr lang="ko-KR" altLang="en-US" smtClean="0"/>
+              <a:rPr lang="ko-KR" altLang="en-US"/>
               <a:t>넷째 수준</a:t>
             </a:r>
           </a:p>
           <a:p>
             <a:pPr lvl="4"/>
             <a:r>
-              <a:rPr lang="ko-KR" altLang="en-US" smtClean="0"/>
+              <a:rPr lang="ko-KR" altLang="en-US"/>
               <a:t>다섯째 수준</a:t>
             </a:r>
-            <a:endParaRPr lang="ko-KR" altLang="en-US"/>
           </a:p>
         </p:txBody>
       </p:sp>
@@ -1237,7 +1232,7 @@
           <a:p>
             <a:fld id="{BB49A432-3F97-438E-B13B-757EC1D1DC3C}" type="datetimeFigureOut">
               <a:rPr lang="ko-KR" altLang="en-US" smtClean="0"/>
-              <a:t>2022-10-05</a:t>
+              <a:t>2022-10-08</a:t>
             </a:fld>
             <a:endParaRPr lang="ko-KR" altLang="en-US"/>
           </a:p>
@@ -1336,10 +1331,9 @@
           <a:lstStyle/>
           <a:p>
             <a:r>
-              <a:rPr lang="ko-KR" altLang="en-US" smtClean="0"/>
+              <a:rPr lang="ko-KR" altLang="en-US"/>
               <a:t>마스터 제목 스타일 편집</a:t>
             </a:r>
-            <a:endParaRPr lang="ko-KR" altLang="en-US"/>
           </a:p>
         </p:txBody>
       </p:sp>
@@ -1402,7 +1396,7 @@
           <a:p>
             <a:pPr lvl="0"/>
             <a:r>
-              <a:rPr lang="ko-KR" altLang="en-US" smtClean="0"/>
+              <a:rPr lang="ko-KR" altLang="en-US"/>
               <a:t>마스터 텍스트 스타일 편집</a:t>
             </a:r>
           </a:p>
@@ -1430,38 +1424,37 @@
           <a:p>
             <a:pPr lvl="0"/>
             <a:r>
-              <a:rPr lang="ko-KR" altLang="en-US" smtClean="0"/>
+              <a:rPr lang="ko-KR" altLang="en-US"/>
               <a:t>마스터 텍스트 스타일 편집</a:t>
             </a:r>
           </a:p>
           <a:p>
             <a:pPr lvl="1"/>
             <a:r>
-              <a:rPr lang="ko-KR" altLang="en-US" smtClean="0"/>
+              <a:rPr lang="ko-KR" altLang="en-US"/>
               <a:t>둘째 수준</a:t>
             </a:r>
           </a:p>
           <a:p>
             <a:pPr lvl="2"/>
             <a:r>
-              <a:rPr lang="ko-KR" altLang="en-US" smtClean="0"/>
+              <a:rPr lang="ko-KR" altLang="en-US"/>
               <a:t>셋째 수준</a:t>
             </a:r>
           </a:p>
           <a:p>
             <a:pPr lvl="3"/>
             <a:r>
-              <a:rPr lang="ko-KR" altLang="en-US" smtClean="0"/>
+              <a:rPr lang="ko-KR" altLang="en-US"/>
               <a:t>넷째 수준</a:t>
             </a:r>
           </a:p>
           <a:p>
             <a:pPr lvl="4"/>
             <a:r>
-              <a:rPr lang="ko-KR" altLang="en-US" smtClean="0"/>
+              <a:rPr lang="ko-KR" altLang="en-US"/>
               <a:t>다섯째 수준</a:t>
             </a:r>
-            <a:endParaRPr lang="ko-KR" altLang="en-US"/>
           </a:p>
         </p:txBody>
       </p:sp>
@@ -1524,7 +1517,7 @@
           <a:p>
             <a:pPr lvl="0"/>
             <a:r>
-              <a:rPr lang="ko-KR" altLang="en-US" smtClean="0"/>
+              <a:rPr lang="ko-KR" altLang="en-US"/>
               <a:t>마스터 텍스트 스타일 편집</a:t>
             </a:r>
           </a:p>
@@ -1552,38 +1545,37 @@
           <a:p>
             <a:pPr lvl="0"/>
             <a:r>
-              <a:rPr lang="ko-KR" altLang="en-US" smtClean="0"/>
+              <a:rPr lang="ko-KR" altLang="en-US"/>
               <a:t>마스터 텍스트 스타일 편집</a:t>
             </a:r>
           </a:p>
           <a:p>
             <a:pPr lvl="1"/>
             <a:r>
-              <a:rPr lang="ko-KR" altLang="en-US" smtClean="0"/>
+              <a:rPr lang="ko-KR" altLang="en-US"/>
               <a:t>둘째 수준</a:t>
             </a:r>
           </a:p>
           <a:p>
             <a:pPr lvl="2"/>
             <a:r>
-              <a:rPr lang="ko-KR" altLang="en-US" smtClean="0"/>
+              <a:rPr lang="ko-KR" altLang="en-US"/>
               <a:t>셋째 수준</a:t>
             </a:r>
           </a:p>
           <a:p>
             <a:pPr lvl="3"/>
             <a:r>
-              <a:rPr lang="ko-KR" altLang="en-US" smtClean="0"/>
+              <a:rPr lang="ko-KR" altLang="en-US"/>
               <a:t>넷째 수준</a:t>
             </a:r>
           </a:p>
           <a:p>
             <a:pPr lvl="4"/>
             <a:r>
-              <a:rPr lang="ko-KR" altLang="en-US" smtClean="0"/>
+              <a:rPr lang="ko-KR" altLang="en-US"/>
               <a:t>다섯째 수준</a:t>
             </a:r>
-            <a:endParaRPr lang="ko-KR" altLang="en-US"/>
           </a:p>
         </p:txBody>
       </p:sp>
@@ -1604,7 +1596,7 @@
           <a:p>
             <a:fld id="{BB49A432-3F97-438E-B13B-757EC1D1DC3C}" type="datetimeFigureOut">
               <a:rPr lang="ko-KR" altLang="en-US" smtClean="0"/>
-              <a:t>2022-10-05</a:t>
+              <a:t>2022-10-08</a:t>
             </a:fld>
             <a:endParaRPr lang="ko-KR" altLang="en-US"/>
           </a:p>
@@ -1698,10 +1690,9 @@
           <a:lstStyle/>
           <a:p>
             <a:r>
-              <a:rPr lang="ko-KR" altLang="en-US" smtClean="0"/>
+              <a:rPr lang="ko-KR" altLang="en-US"/>
               <a:t>마스터 제목 스타일 편집</a:t>
             </a:r>
-            <a:endParaRPr lang="ko-KR" altLang="en-US"/>
           </a:p>
         </p:txBody>
       </p:sp>
@@ -1722,7 +1713,7 @@
           <a:p>
             <a:fld id="{BB49A432-3F97-438E-B13B-757EC1D1DC3C}" type="datetimeFigureOut">
               <a:rPr lang="ko-KR" altLang="en-US" smtClean="0"/>
-              <a:t>2022-10-05</a:t>
+              <a:t>2022-10-08</a:t>
             </a:fld>
             <a:endParaRPr lang="ko-KR" altLang="en-US"/>
           </a:p>
@@ -1817,7 +1808,7 @@
           <a:p>
             <a:fld id="{BB49A432-3F97-438E-B13B-757EC1D1DC3C}" type="datetimeFigureOut">
               <a:rPr lang="ko-KR" altLang="en-US" smtClean="0"/>
-              <a:t>2022-10-05</a:t>
+              <a:t>2022-10-08</a:t>
             </a:fld>
             <a:endParaRPr lang="ko-KR" altLang="en-US"/>
           </a:p>
@@ -1920,10 +1911,9 @@
           </a:lstStyle>
           <a:p>
             <a:r>
-              <a:rPr lang="ko-KR" altLang="en-US" smtClean="0"/>
+              <a:rPr lang="ko-KR" altLang="en-US"/>
               <a:t>마스터 제목 스타일 편집</a:t>
             </a:r>
-            <a:endParaRPr lang="ko-KR" altLang="en-US"/>
           </a:p>
         </p:txBody>
       </p:sp>
@@ -1977,38 +1967,37 @@
           <a:p>
             <a:pPr lvl="0"/>
             <a:r>
-              <a:rPr lang="ko-KR" altLang="en-US" smtClean="0"/>
+              <a:rPr lang="ko-KR" altLang="en-US"/>
               <a:t>마스터 텍스트 스타일 편집</a:t>
             </a:r>
           </a:p>
           <a:p>
             <a:pPr lvl="1"/>
             <a:r>
-              <a:rPr lang="ko-KR" altLang="en-US" smtClean="0"/>
+              <a:rPr lang="ko-KR" altLang="en-US"/>
               <a:t>둘째 수준</a:t>
             </a:r>
           </a:p>
           <a:p>
             <a:pPr lvl="2"/>
             <a:r>
-              <a:rPr lang="ko-KR" altLang="en-US" smtClean="0"/>
+              <a:rPr lang="ko-KR" altLang="en-US"/>
               <a:t>셋째 수준</a:t>
             </a:r>
           </a:p>
           <a:p>
             <a:pPr lvl="3"/>
             <a:r>
-              <a:rPr lang="ko-KR" altLang="en-US" smtClean="0"/>
+              <a:rPr lang="ko-KR" altLang="en-US"/>
               <a:t>넷째 수준</a:t>
             </a:r>
           </a:p>
           <a:p>
             <a:pPr lvl="4"/>
             <a:r>
-              <a:rPr lang="ko-KR" altLang="en-US" smtClean="0"/>
+              <a:rPr lang="ko-KR" altLang="en-US"/>
               <a:t>다섯째 수준</a:t>
             </a:r>
-            <a:endParaRPr lang="ko-KR" altLang="en-US"/>
           </a:p>
         </p:txBody>
       </p:sp>
@@ -2071,7 +2060,7 @@
           <a:p>
             <a:pPr lvl="0"/>
             <a:r>
-              <a:rPr lang="ko-KR" altLang="en-US" smtClean="0"/>
+              <a:rPr lang="ko-KR" altLang="en-US"/>
               <a:t>마스터 텍스트 스타일 편집</a:t>
             </a:r>
           </a:p>
@@ -2094,7 +2083,7 @@
           <a:p>
             <a:fld id="{BB49A432-3F97-438E-B13B-757EC1D1DC3C}" type="datetimeFigureOut">
               <a:rPr lang="ko-KR" altLang="en-US" smtClean="0"/>
-              <a:t>2022-10-05</a:t>
+              <a:t>2022-10-08</a:t>
             </a:fld>
             <a:endParaRPr lang="ko-KR" altLang="en-US"/>
           </a:p>
@@ -2197,10 +2186,9 @@
           </a:lstStyle>
           <a:p>
             <a:r>
-              <a:rPr lang="ko-KR" altLang="en-US" smtClean="0"/>
+              <a:rPr lang="ko-KR" altLang="en-US"/>
               <a:t>마스터 제목 스타일 편집</a:t>
             </a:r>
-            <a:endParaRPr lang="ko-KR" altLang="en-US"/>
           </a:p>
         </p:txBody>
       </p:sp>
@@ -2324,7 +2312,7 @@
           <a:p>
             <a:pPr lvl="0"/>
             <a:r>
-              <a:rPr lang="ko-KR" altLang="en-US" smtClean="0"/>
+              <a:rPr lang="ko-KR" altLang="en-US"/>
               <a:t>마스터 텍스트 스타일 편집</a:t>
             </a:r>
           </a:p>
@@ -2347,7 +2335,7 @@
           <a:p>
             <a:fld id="{BB49A432-3F97-438E-B13B-757EC1D1DC3C}" type="datetimeFigureOut">
               <a:rPr lang="ko-KR" altLang="en-US" smtClean="0"/>
-              <a:t>2022-10-05</a:t>
+              <a:t>2022-10-08</a:t>
             </a:fld>
             <a:endParaRPr lang="ko-KR" altLang="en-US"/>
           </a:p>
@@ -2456,10 +2444,9 @@
           <a:lstStyle/>
           <a:p>
             <a:r>
-              <a:rPr lang="ko-KR" altLang="en-US" smtClean="0"/>
+              <a:rPr lang="ko-KR" altLang="en-US"/>
               <a:t>마스터 제목 스타일 편집</a:t>
             </a:r>
-            <a:endParaRPr lang="ko-KR" altLang="en-US"/>
           </a:p>
         </p:txBody>
       </p:sp>
@@ -2490,38 +2477,37 @@
           <a:p>
             <a:pPr lvl="0"/>
             <a:r>
-              <a:rPr lang="ko-KR" altLang="en-US" smtClean="0"/>
+              <a:rPr lang="ko-KR" altLang="en-US"/>
               <a:t>마스터 텍스트 스타일 편집</a:t>
             </a:r>
           </a:p>
           <a:p>
             <a:pPr lvl="1"/>
             <a:r>
-              <a:rPr lang="ko-KR" altLang="en-US" smtClean="0"/>
+              <a:rPr lang="ko-KR" altLang="en-US"/>
               <a:t>둘째 수준</a:t>
             </a:r>
           </a:p>
           <a:p>
             <a:pPr lvl="2"/>
             <a:r>
-              <a:rPr lang="ko-KR" altLang="en-US" smtClean="0"/>
+              <a:rPr lang="ko-KR" altLang="en-US"/>
               <a:t>셋째 수준</a:t>
             </a:r>
           </a:p>
           <a:p>
             <a:pPr lvl="3"/>
             <a:r>
-              <a:rPr lang="ko-KR" altLang="en-US" smtClean="0"/>
+              <a:rPr lang="ko-KR" altLang="en-US"/>
               <a:t>넷째 수준</a:t>
             </a:r>
           </a:p>
           <a:p>
             <a:pPr lvl="4"/>
             <a:r>
-              <a:rPr lang="ko-KR" altLang="en-US" smtClean="0"/>
+              <a:rPr lang="ko-KR" altLang="en-US"/>
               <a:t>다섯째 수준</a:t>
             </a:r>
-            <a:endParaRPr lang="ko-KR" altLang="en-US"/>
           </a:p>
         </p:txBody>
       </p:sp>
@@ -2560,7 +2546,7 @@
           <a:p>
             <a:fld id="{BB49A432-3F97-438E-B13B-757EC1D1DC3C}" type="datetimeFigureOut">
               <a:rPr lang="ko-KR" altLang="en-US" smtClean="0"/>
-              <a:t>2022-10-05</a:t>
+              <a:t>2022-10-08</a:t>
             </a:fld>
             <a:endParaRPr lang="ko-KR" altLang="en-US"/>
           </a:p>
@@ -2988,10 +2974,9 @@
           <a:lstStyle/>
           <a:p>
             <a:r>
-              <a:rPr lang="ko-KR" altLang="en-US" dirty="0" smtClean="0"/>
+              <a:rPr lang="ko-KR" altLang="en-US" dirty="0"/>
               <a:t>기본 사이트 화면</a:t>
             </a:r>
-            <a:endParaRPr lang="ko-KR" altLang="en-US" dirty="0"/>
           </a:p>
         </p:txBody>
       </p:sp>
@@ -3004,7 +2989,7 @@
         <p:spPr>
           <a:xfrm>
             <a:off x="1224166" y="1665500"/>
-            <a:ext cx="2941433" cy="3687896"/>
+            <a:ext cx="3271634" cy="3687896"/>
           </a:xfrm>
           <a:prstGeom prst="rect">
             <a:avLst/>
@@ -3039,7 +3024,7 @@
           <a:lstStyle/>
           <a:p>
             <a:r>
-              <a:rPr lang="en-US" altLang="ko-KR" sz="1500" dirty="0" smtClean="0">
+              <a:rPr lang="en-US" altLang="ko-KR" sz="1500" dirty="0">
                 <a:solidFill>
                   <a:schemeClr val="tx1">
                     <a:lumMod val="50000"/>
@@ -3050,7 +3035,7 @@
               <a:t>// </a:t>
             </a:r>
             <a:r>
-              <a:rPr lang="ko-KR" altLang="en-US" sz="1500" dirty="0" smtClean="0">
+              <a:rPr lang="ko-KR" altLang="en-US" sz="1500" dirty="0">
                 <a:solidFill>
                   <a:schemeClr val="tx1">
                     <a:lumMod val="50000"/>
@@ -3060,16 +3045,6 @@
               </a:rPr>
               <a:t>바꿀 코드</a:t>
             </a:r>
-            <a:endParaRPr lang="en-US" altLang="ko-KR" sz="1500" dirty="0" smtClean="0">
-              <a:solidFill>
-                <a:schemeClr val="tx1">
-                  <a:lumMod val="50000"/>
-                  <a:lumOff val="50000"/>
-                </a:schemeClr>
-              </a:solidFill>
-            </a:endParaRPr>
-          </a:p>
-          <a:p>
             <a:endParaRPr lang="en-US" altLang="ko-KR" sz="1500" dirty="0">
               <a:solidFill>
                 <a:schemeClr val="tx1">
@@ -3080,16 +3055,6 @@
             </a:endParaRPr>
           </a:p>
           <a:p>
-            <a:endParaRPr lang="en-US" altLang="ko-KR" sz="1500" dirty="0" smtClean="0">
-              <a:solidFill>
-                <a:schemeClr val="tx1">
-                  <a:lumMod val="50000"/>
-                  <a:lumOff val="50000"/>
-                </a:schemeClr>
-              </a:solidFill>
-            </a:endParaRPr>
-          </a:p>
-          <a:p>
             <a:endParaRPr lang="en-US" altLang="ko-KR" sz="1500" dirty="0">
               <a:solidFill>
                 <a:schemeClr val="tx1">
@@ -3100,26 +3065,6 @@
             </a:endParaRPr>
           </a:p>
           <a:p>
-            <a:endParaRPr lang="en-US" altLang="ko-KR" sz="1500" dirty="0" smtClean="0">
-              <a:solidFill>
-                <a:schemeClr val="tx1">
-                  <a:lumMod val="50000"/>
-                  <a:lumOff val="50000"/>
-                </a:schemeClr>
-              </a:solidFill>
-            </a:endParaRPr>
-          </a:p>
-          <a:p>
-            <a:endParaRPr lang="en-US" altLang="ko-KR" sz="1500" dirty="0" smtClean="0">
-              <a:solidFill>
-                <a:schemeClr val="tx1">
-                  <a:lumMod val="50000"/>
-                  <a:lumOff val="50000"/>
-                </a:schemeClr>
-              </a:solidFill>
-            </a:endParaRPr>
-          </a:p>
-          <a:p>
             <a:endParaRPr lang="en-US" altLang="ko-KR" sz="1500" dirty="0">
               <a:solidFill>
                 <a:schemeClr val="tx1">
@@ -3130,16 +3075,6 @@
             </a:endParaRPr>
           </a:p>
           <a:p>
-            <a:endParaRPr lang="en-US" altLang="ko-KR" sz="1500" dirty="0" smtClean="0">
-              <a:solidFill>
-                <a:schemeClr val="tx1">
-                  <a:lumMod val="50000"/>
-                  <a:lumOff val="50000"/>
-                </a:schemeClr>
-              </a:solidFill>
-            </a:endParaRPr>
-          </a:p>
-          <a:p>
             <a:endParaRPr lang="en-US" altLang="ko-KR" sz="1500" dirty="0">
               <a:solidFill>
                 <a:schemeClr val="tx1">
@@ -3150,16 +3085,6 @@
             </a:endParaRPr>
           </a:p>
           <a:p>
-            <a:endParaRPr lang="en-US" altLang="ko-KR" sz="1500" dirty="0" smtClean="0">
-              <a:solidFill>
-                <a:schemeClr val="tx1">
-                  <a:lumMod val="50000"/>
-                  <a:lumOff val="50000"/>
-                </a:schemeClr>
-              </a:solidFill>
-            </a:endParaRPr>
-          </a:p>
-          <a:p>
             <a:endParaRPr lang="en-US" altLang="ko-KR" sz="1500" dirty="0">
               <a:solidFill>
                 <a:schemeClr val="tx1">
@@ -3170,16 +3095,6 @@
             </a:endParaRPr>
           </a:p>
           <a:p>
-            <a:endParaRPr lang="en-US" altLang="ko-KR" sz="1500" dirty="0" smtClean="0">
-              <a:solidFill>
-                <a:schemeClr val="tx1">
-                  <a:lumMod val="50000"/>
-                  <a:lumOff val="50000"/>
-                </a:schemeClr>
-              </a:solidFill>
-            </a:endParaRPr>
-          </a:p>
-          <a:p>
             <a:endParaRPr lang="en-US" altLang="ko-KR" sz="1500" dirty="0">
               <a:solidFill>
                 <a:schemeClr val="tx1">
@@ -3190,16 +3105,6 @@
             </a:endParaRPr>
           </a:p>
           <a:p>
-            <a:endParaRPr lang="en-US" altLang="ko-KR" sz="1500" dirty="0" smtClean="0">
-              <a:solidFill>
-                <a:schemeClr val="tx1">
-                  <a:lumMod val="50000"/>
-                  <a:lumOff val="50000"/>
-                </a:schemeClr>
-              </a:solidFill>
-            </a:endParaRPr>
-          </a:p>
-          <a:p>
             <a:endParaRPr lang="en-US" altLang="ko-KR" sz="1500" dirty="0">
               <a:solidFill>
                 <a:schemeClr val="tx1">
@@ -3210,6 +3115,86 @@
             </a:endParaRPr>
           </a:p>
           <a:p>
+            <a:endParaRPr lang="en-US" altLang="ko-KR" sz="1500" dirty="0">
+              <a:solidFill>
+                <a:schemeClr val="tx1">
+                  <a:lumMod val="50000"/>
+                  <a:lumOff val="50000"/>
+                </a:schemeClr>
+              </a:solidFill>
+            </a:endParaRPr>
+          </a:p>
+          <a:p>
+            <a:endParaRPr lang="en-US" altLang="ko-KR" sz="1500" dirty="0">
+              <a:solidFill>
+                <a:schemeClr val="tx1">
+                  <a:lumMod val="50000"/>
+                  <a:lumOff val="50000"/>
+                </a:schemeClr>
+              </a:solidFill>
+            </a:endParaRPr>
+          </a:p>
+          <a:p>
+            <a:endParaRPr lang="en-US" altLang="ko-KR" sz="1500" dirty="0">
+              <a:solidFill>
+                <a:schemeClr val="tx1">
+                  <a:lumMod val="50000"/>
+                  <a:lumOff val="50000"/>
+                </a:schemeClr>
+              </a:solidFill>
+            </a:endParaRPr>
+          </a:p>
+          <a:p>
+            <a:endParaRPr lang="en-US" altLang="ko-KR" sz="1500" dirty="0">
+              <a:solidFill>
+                <a:schemeClr val="tx1">
+                  <a:lumMod val="50000"/>
+                  <a:lumOff val="50000"/>
+                </a:schemeClr>
+              </a:solidFill>
+            </a:endParaRPr>
+          </a:p>
+          <a:p>
+            <a:endParaRPr lang="en-US" altLang="ko-KR" sz="1500" dirty="0">
+              <a:solidFill>
+                <a:schemeClr val="tx1">
+                  <a:lumMod val="50000"/>
+                  <a:lumOff val="50000"/>
+                </a:schemeClr>
+              </a:solidFill>
+            </a:endParaRPr>
+          </a:p>
+          <a:p>
+            <a:endParaRPr lang="en-US" altLang="ko-KR" sz="1500" dirty="0">
+              <a:solidFill>
+                <a:schemeClr val="tx1">
+                  <a:lumMod val="50000"/>
+                  <a:lumOff val="50000"/>
+                </a:schemeClr>
+              </a:solidFill>
+            </a:endParaRPr>
+          </a:p>
+          <a:p>
+            <a:endParaRPr lang="en-US" altLang="ko-KR" sz="1500" dirty="0">
+              <a:solidFill>
+                <a:schemeClr val="tx1">
+                  <a:lumMod val="50000"/>
+                  <a:lumOff val="50000"/>
+                </a:schemeClr>
+              </a:solidFill>
+            </a:endParaRPr>
+          </a:p>
+          <a:p>
+            <a:endParaRPr lang="en-US" altLang="ko-KR" sz="1500" dirty="0">
+              <a:solidFill>
+                <a:schemeClr val="tx1">
+                  <a:lumMod val="50000"/>
+                  <a:lumOff val="50000"/>
+                </a:schemeClr>
+              </a:solidFill>
+            </a:endParaRPr>
+          </a:p>
+          <a:p>
             <a:endParaRPr lang="ko-KR" altLang="en-US" dirty="0">
               <a:solidFill>
                 <a:schemeClr val="tx1">
@@ -3229,8 +3214,8 @@
         </p:nvSpPr>
         <p:spPr>
           <a:xfrm>
-            <a:off x="5003799" y="1665500"/>
-            <a:ext cx="3161495" cy="3687896"/>
+            <a:off x="4636307" y="1665500"/>
+            <a:ext cx="3528988" cy="3687896"/>
           </a:xfrm>
           <a:prstGeom prst="rect">
             <a:avLst/>
@@ -3265,7 +3250,7 @@
           <a:lstStyle/>
           <a:p>
             <a:r>
-              <a:rPr lang="en-US" altLang="ko-KR" sz="1500" dirty="0" smtClean="0">
+              <a:rPr lang="en-US" altLang="ko-KR" sz="1500" dirty="0">
                 <a:solidFill>
                   <a:schemeClr val="tx1">
                     <a:lumMod val="50000"/>
@@ -3276,7 +3261,7 @@
               <a:t>// </a:t>
             </a:r>
             <a:r>
-              <a:rPr lang="ko-KR" altLang="en-US" sz="1500" dirty="0" smtClean="0">
+              <a:rPr lang="ko-KR" altLang="en-US" sz="1500" dirty="0">
                 <a:solidFill>
                   <a:schemeClr val="tx1">
                     <a:lumMod val="50000"/>
@@ -3286,16 +3271,6 @@
               </a:rPr>
               <a:t>결과 코드</a:t>
             </a:r>
-            <a:endParaRPr lang="en-US" altLang="ko-KR" sz="1500" dirty="0" smtClean="0">
-              <a:solidFill>
-                <a:schemeClr val="tx1">
-                  <a:lumMod val="50000"/>
-                  <a:lumOff val="50000"/>
-                </a:schemeClr>
-              </a:solidFill>
-            </a:endParaRPr>
-          </a:p>
-          <a:p>
             <a:endParaRPr lang="en-US" altLang="ko-KR" sz="1500" dirty="0">
               <a:solidFill>
                 <a:schemeClr val="tx1">
@@ -3306,16 +3281,6 @@
             </a:endParaRPr>
           </a:p>
           <a:p>
-            <a:endParaRPr lang="en-US" altLang="ko-KR" sz="1500" dirty="0" smtClean="0">
-              <a:solidFill>
-                <a:schemeClr val="tx1">
-                  <a:lumMod val="50000"/>
-                  <a:lumOff val="50000"/>
-                </a:schemeClr>
-              </a:solidFill>
-            </a:endParaRPr>
-          </a:p>
-          <a:p>
             <a:endParaRPr lang="en-US" altLang="ko-KR" sz="1500" dirty="0">
               <a:solidFill>
                 <a:schemeClr val="tx1">
@@ -3326,26 +3291,6 @@
             </a:endParaRPr>
           </a:p>
           <a:p>
-            <a:endParaRPr lang="en-US" altLang="ko-KR" sz="1500" dirty="0" smtClean="0">
-              <a:solidFill>
-                <a:schemeClr val="tx1">
-                  <a:lumMod val="50000"/>
-                  <a:lumOff val="50000"/>
-                </a:schemeClr>
-              </a:solidFill>
-            </a:endParaRPr>
-          </a:p>
-          <a:p>
-            <a:endParaRPr lang="en-US" altLang="ko-KR" sz="1500" dirty="0" smtClean="0">
-              <a:solidFill>
-                <a:schemeClr val="tx1">
-                  <a:lumMod val="50000"/>
-                  <a:lumOff val="50000"/>
-                </a:schemeClr>
-              </a:solidFill>
-            </a:endParaRPr>
-          </a:p>
-          <a:p>
             <a:endParaRPr lang="en-US" altLang="ko-KR" sz="1500" dirty="0">
               <a:solidFill>
                 <a:schemeClr val="tx1">
@@ -3356,16 +3301,6 @@
             </a:endParaRPr>
           </a:p>
           <a:p>
-            <a:endParaRPr lang="en-US" altLang="ko-KR" sz="1500" dirty="0" smtClean="0">
-              <a:solidFill>
-                <a:schemeClr val="tx1">
-                  <a:lumMod val="50000"/>
-                  <a:lumOff val="50000"/>
-                </a:schemeClr>
-              </a:solidFill>
-            </a:endParaRPr>
-          </a:p>
-          <a:p>
             <a:endParaRPr lang="en-US" altLang="ko-KR" sz="1500" dirty="0">
               <a:solidFill>
                 <a:schemeClr val="tx1">
@@ -3376,16 +3311,6 @@
             </a:endParaRPr>
           </a:p>
           <a:p>
-            <a:endParaRPr lang="en-US" altLang="ko-KR" sz="1500" dirty="0" smtClean="0">
-              <a:solidFill>
-                <a:schemeClr val="tx1">
-                  <a:lumMod val="50000"/>
-                  <a:lumOff val="50000"/>
-                </a:schemeClr>
-              </a:solidFill>
-            </a:endParaRPr>
-          </a:p>
-          <a:p>
             <a:endParaRPr lang="en-US" altLang="ko-KR" sz="1500" dirty="0">
               <a:solidFill>
                 <a:schemeClr val="tx1">
@@ -3396,16 +3321,6 @@
             </a:endParaRPr>
           </a:p>
           <a:p>
-            <a:endParaRPr lang="en-US" altLang="ko-KR" sz="1500" dirty="0" smtClean="0">
-              <a:solidFill>
-                <a:schemeClr val="tx1">
-                  <a:lumMod val="50000"/>
-                  <a:lumOff val="50000"/>
-                </a:schemeClr>
-              </a:solidFill>
-            </a:endParaRPr>
-          </a:p>
-          <a:p>
             <a:endParaRPr lang="en-US" altLang="ko-KR" sz="1500" dirty="0">
               <a:solidFill>
                 <a:schemeClr val="tx1">
@@ -3416,7 +3331,77 @@
             </a:endParaRPr>
           </a:p>
           <a:p>
-            <a:endParaRPr lang="en-US" altLang="ko-KR" sz="1500" dirty="0" smtClean="0">
+            <a:endParaRPr lang="en-US" altLang="ko-KR" sz="1500" dirty="0">
+              <a:solidFill>
+                <a:schemeClr val="tx1">
+                  <a:lumMod val="50000"/>
+                  <a:lumOff val="50000"/>
+                </a:schemeClr>
+              </a:solidFill>
+            </a:endParaRPr>
+          </a:p>
+          <a:p>
+            <a:endParaRPr lang="en-US" altLang="ko-KR" sz="1500" dirty="0">
+              <a:solidFill>
+                <a:schemeClr val="tx1">
+                  <a:lumMod val="50000"/>
+                  <a:lumOff val="50000"/>
+                </a:schemeClr>
+              </a:solidFill>
+            </a:endParaRPr>
+          </a:p>
+          <a:p>
+            <a:endParaRPr lang="en-US" altLang="ko-KR" sz="1500" dirty="0">
+              <a:solidFill>
+                <a:schemeClr val="tx1">
+                  <a:lumMod val="50000"/>
+                  <a:lumOff val="50000"/>
+                </a:schemeClr>
+              </a:solidFill>
+            </a:endParaRPr>
+          </a:p>
+          <a:p>
+            <a:endParaRPr lang="en-US" altLang="ko-KR" sz="1500" dirty="0">
+              <a:solidFill>
+                <a:schemeClr val="tx1">
+                  <a:lumMod val="50000"/>
+                  <a:lumOff val="50000"/>
+                </a:schemeClr>
+              </a:solidFill>
+            </a:endParaRPr>
+          </a:p>
+          <a:p>
+            <a:endParaRPr lang="en-US" altLang="ko-KR" sz="1500" dirty="0">
+              <a:solidFill>
+                <a:schemeClr val="tx1">
+                  <a:lumMod val="50000"/>
+                  <a:lumOff val="50000"/>
+                </a:schemeClr>
+              </a:solidFill>
+            </a:endParaRPr>
+          </a:p>
+          <a:p>
+            <a:endParaRPr lang="en-US" altLang="ko-KR" sz="1500" dirty="0">
+              <a:solidFill>
+                <a:schemeClr val="tx1">
+                  <a:lumMod val="50000"/>
+                  <a:lumOff val="50000"/>
+                </a:schemeClr>
+              </a:solidFill>
+            </a:endParaRPr>
+          </a:p>
+          <a:p>
+            <a:endParaRPr lang="en-US" altLang="ko-KR" sz="1500" dirty="0">
+              <a:solidFill>
+                <a:schemeClr val="tx1">
+                  <a:lumMod val="50000"/>
+                  <a:lumOff val="50000"/>
+                </a:schemeClr>
+              </a:solidFill>
+            </a:endParaRPr>
+          </a:p>
+          <a:p>
+            <a:endParaRPr lang="en-US" altLang="ko-KR" sz="1500" dirty="0">
               <a:solidFill>
                 <a:schemeClr val="tx1">
                   <a:lumMod val="50000"/>
@@ -3492,18 +3477,13 @@
           <a:p>
             <a:pPr algn="ctr"/>
             <a:r>
-              <a:rPr lang="ko-KR" altLang="en-US" dirty="0" smtClean="0">
+              <a:rPr lang="ko-KR" altLang="en-US" dirty="0">
                 <a:solidFill>
                   <a:schemeClr val="tx1"/>
                 </a:solidFill>
               </a:rPr>
               <a:t>변환</a:t>
             </a:r>
-            <a:endParaRPr lang="ko-KR" altLang="en-US" dirty="0">
-              <a:solidFill>
-                <a:schemeClr val="tx1"/>
-              </a:solidFill>
-            </a:endParaRPr>
           </a:p>
         </p:txBody>
       </p:sp>
@@ -3515,8 +3495,8 @@
         </p:nvSpPr>
         <p:spPr>
           <a:xfrm>
-            <a:off x="1224167" y="5649083"/>
-            <a:ext cx="2192365" cy="515389"/>
+            <a:off x="1905000" y="5649083"/>
+            <a:ext cx="1837345" cy="515389"/>
           </a:xfrm>
           <a:prstGeom prst="rect">
             <a:avLst/>
@@ -3552,18 +3532,13 @@
           <a:p>
             <a:pPr algn="ctr"/>
             <a:r>
-              <a:rPr lang="ko-KR" altLang="en-US" dirty="0" smtClean="0">
+              <a:rPr lang="ko-KR" altLang="en-US" dirty="0">
                 <a:solidFill>
                   <a:schemeClr val="tx1"/>
                 </a:solidFill>
               </a:rPr>
               <a:t>언어 선택</a:t>
             </a:r>
-            <a:endParaRPr lang="ko-KR" altLang="en-US" dirty="0">
-              <a:solidFill>
-                <a:schemeClr val="tx1"/>
-              </a:solidFill>
-            </a:endParaRPr>
           </a:p>
         </p:txBody>
       </p:sp>
@@ -3575,8 +3550,8 @@
         </p:nvSpPr>
         <p:spPr>
           <a:xfrm>
-            <a:off x="5819256" y="5577841"/>
-            <a:ext cx="2346039" cy="586631"/>
+            <a:off x="5493443" y="5644418"/>
+            <a:ext cx="1938215" cy="520054"/>
           </a:xfrm>
           <a:prstGeom prst="rect">
             <a:avLst/>
@@ -3612,18 +3587,13 @@
           <a:p>
             <a:pPr algn="ctr"/>
             <a:r>
-              <a:rPr lang="ko-KR" altLang="en-US" dirty="0" smtClean="0">
+              <a:rPr lang="ko-KR" altLang="en-US" dirty="0">
                 <a:solidFill>
                   <a:schemeClr val="tx1"/>
                 </a:solidFill>
               </a:rPr>
               <a:t>언어 선택</a:t>
             </a:r>
-            <a:endParaRPr lang="ko-KR" altLang="en-US" dirty="0">
-              <a:solidFill>
-                <a:schemeClr val="tx1"/>
-              </a:solidFill>
-            </a:endParaRPr>
           </a:p>
         </p:txBody>
       </p:sp>
@@ -3671,7 +3641,7 @@
           <a:lstStyle/>
           <a:p>
             <a:r>
-              <a:rPr lang="en-US" altLang="ko-KR" sz="1500" dirty="0" smtClean="0">
+              <a:rPr lang="en-US" altLang="ko-KR" sz="1500" dirty="0">
                 <a:solidFill>
                   <a:schemeClr val="tx1">
                     <a:lumMod val="50000"/>
@@ -3682,7 +3652,7 @@
               <a:t>// </a:t>
             </a:r>
             <a:r>
-              <a:rPr lang="ko-KR" altLang="en-US" sz="1500" dirty="0" smtClean="0">
+              <a:rPr lang="ko-KR" altLang="en-US" sz="1500" dirty="0">
                 <a:solidFill>
                   <a:schemeClr val="tx1">
                     <a:lumMod val="50000"/>
@@ -3692,14 +3662,6 @@
               </a:rPr>
               <a:t>사이트 주소</a:t>
             </a:r>
-            <a:endParaRPr lang="ko-KR" altLang="en-US" sz="1500" dirty="0">
-              <a:solidFill>
-                <a:schemeClr val="tx1">
-                  <a:lumMod val="50000"/>
-                  <a:lumOff val="50000"/>
-                </a:schemeClr>
-              </a:solidFill>
-            </a:endParaRPr>
           </a:p>
         </p:txBody>
       </p:sp>
@@ -3748,7 +3710,7 @@
           <a:p>
             <a:pPr algn="ctr"/>
             <a:r>
-              <a:rPr lang="en-US" altLang="ko-KR" sz="1400" dirty="0" smtClean="0">
+              <a:rPr lang="en-US" altLang="ko-KR" sz="1400" dirty="0">
                 <a:solidFill>
                   <a:srgbClr val="FF0000"/>
                 </a:solidFill>
@@ -3765,62 +3727,14 @@
       </p:sp>
       <p:sp>
         <p:nvSpPr>
-          <p:cNvPr id="14" name="오른쪽 화살표 13"/>
-          <p:cNvSpPr/>
-          <p:nvPr/>
-        </p:nvSpPr>
-        <p:spPr>
-          <a:xfrm>
-            <a:off x="4399741" y="3258080"/>
-            <a:ext cx="482138" cy="484632"/>
-          </a:xfrm>
-          <a:prstGeom prst="rightArrow">
-            <a:avLst/>
-          </a:prstGeom>
-          <a:solidFill>
-            <a:schemeClr val="bg2"/>
-          </a:solidFill>
-          <a:ln>
-            <a:solidFill>
-              <a:schemeClr val="tx1"/>
-            </a:solidFill>
-          </a:ln>
-        </p:spPr>
-        <p:style>
-          <a:lnRef idx="2">
-            <a:schemeClr val="accent1">
-              <a:shade val="50000"/>
-            </a:schemeClr>
-          </a:lnRef>
-          <a:fillRef idx="1">
-            <a:schemeClr val="accent1"/>
-          </a:fillRef>
-          <a:effectRef idx="0">
-            <a:schemeClr val="accent1"/>
-          </a:effectRef>
-          <a:fontRef idx="minor">
-            <a:schemeClr val="lt1"/>
-          </a:fontRef>
-        </p:style>
-        <p:txBody>
-          <a:bodyPr rtlCol="0" anchor="ctr"/>
-          <a:lstStyle/>
-          <a:p>
-            <a:pPr algn="ctr"/>
-            <a:endParaRPr lang="ko-KR" altLang="en-US"/>
-          </a:p>
-        </p:txBody>
-      </p:sp>
-      <p:sp>
-        <p:nvSpPr>
           <p:cNvPr id="15" name="이등변 삼각형 14"/>
           <p:cNvSpPr/>
           <p:nvPr/>
         </p:nvSpPr>
         <p:spPr>
           <a:xfrm rot="10800000">
-            <a:off x="3021912" y="5798889"/>
-            <a:ext cx="282633" cy="232402"/>
+            <a:off x="3393492" y="5798889"/>
+            <a:ext cx="236865" cy="232402"/>
           </a:xfrm>
           <a:prstGeom prst="triangle">
             <a:avLst/>
@@ -3867,7 +3781,7 @@
         </p:nvSpPr>
         <p:spPr>
           <a:xfrm rot="10800000">
-            <a:off x="7780714" y="5790576"/>
+            <a:off x="7047077" y="5790576"/>
             <a:ext cx="282633" cy="232402"/>
           </a:xfrm>
           <a:prstGeom prst="triangle">
@@ -3916,7 +3830,7 @@
         <p:spPr>
           <a:xfrm>
             <a:off x="8480829" y="1306586"/>
-            <a:ext cx="3549370" cy="2246769"/>
+            <a:ext cx="3611886" cy="3539430"/>
           </a:xfrm>
           <a:prstGeom prst="rect">
             <a:avLst/>
@@ -3930,11 +3844,11 @@
           <a:lstStyle/>
           <a:p>
             <a:r>
-              <a:rPr lang="ko-KR" altLang="en-US" sz="1400" dirty="0" smtClean="0"/>
+              <a:rPr lang="ko-KR" altLang="en-US" sz="1400" dirty="0"/>
               <a:t>처음 웹 사이트의 화면</a:t>
             </a:r>
             <a:r>
-              <a:rPr lang="en-US" altLang="ko-KR" sz="1400" dirty="0" smtClean="0"/>
+              <a:rPr lang="en-US" altLang="ko-KR" sz="1400" dirty="0"/>
               <a:t>.</a:t>
             </a:r>
           </a:p>
@@ -3943,26 +3857,26 @@
           </a:p>
           <a:p>
             <a:r>
-              <a:rPr lang="ko-KR" altLang="en-US" sz="1400" dirty="0" smtClean="0"/>
+              <a:rPr lang="ko-KR" altLang="en-US" sz="1400" dirty="0"/>
               <a:t>바꿀 코드를 입력할 필드 하나와 </a:t>
             </a:r>
-            <a:endParaRPr lang="en-US" altLang="ko-KR" sz="1400" dirty="0" smtClean="0"/>
-          </a:p>
-          <a:p>
-            <a:r>
-              <a:rPr lang="ko-KR" altLang="en-US" sz="1400" dirty="0" smtClean="0"/>
+            <a:endParaRPr lang="en-US" altLang="ko-KR" sz="1400" dirty="0"/>
+          </a:p>
+          <a:p>
+            <a:r>
+              <a:rPr lang="ko-KR" altLang="en-US" sz="1400" dirty="0"/>
               <a:t>변환 결과를 출력할 필드 </a:t>
             </a:r>
             <a:r>
-              <a:rPr lang="en-US" altLang="ko-KR" sz="1400" dirty="0" smtClean="0"/>
+              <a:rPr lang="en-US" altLang="ko-KR" sz="1400" dirty="0"/>
               <a:t>2</a:t>
             </a:r>
             <a:r>
-              <a:rPr lang="ko-KR" altLang="en-US" sz="1400" dirty="0" smtClean="0"/>
+              <a:rPr lang="ko-KR" altLang="en-US" sz="1400" dirty="0"/>
               <a:t>개 존재</a:t>
             </a:r>
             <a:r>
-              <a:rPr lang="en-US" altLang="ko-KR" sz="1400" dirty="0" smtClean="0"/>
+              <a:rPr lang="en-US" altLang="ko-KR" sz="1400" dirty="0"/>
               <a:t>.</a:t>
             </a:r>
           </a:p>
@@ -3971,30 +3885,30 @@
           </a:p>
           <a:p>
             <a:r>
-              <a:rPr lang="ko-KR" altLang="en-US" sz="1400" dirty="0" smtClean="0"/>
+              <a:rPr lang="ko-KR" altLang="en-US" sz="1400" dirty="0"/>
               <a:t>양쪽의 프로그래밍 언어를 선택할 수 있는</a:t>
             </a:r>
-            <a:endParaRPr lang="en-US" altLang="ko-KR" sz="1400" dirty="0" smtClean="0"/>
-          </a:p>
-          <a:p>
-            <a:r>
-              <a:rPr lang="ko-KR" altLang="en-US" sz="1400" dirty="0" err="1" smtClean="0"/>
+            <a:endParaRPr lang="en-US" altLang="ko-KR" sz="1400" dirty="0"/>
+          </a:p>
+          <a:p>
+            <a:r>
+              <a:rPr lang="ko-KR" altLang="en-US" sz="1400" dirty="0" err="1"/>
               <a:t>셀렉트박스</a:t>
             </a:r>
             <a:r>
-              <a:rPr lang="ko-KR" altLang="en-US" sz="1400" dirty="0" smtClean="0"/>
+              <a:rPr lang="ko-KR" altLang="en-US" sz="1400" dirty="0"/>
               <a:t> </a:t>
             </a:r>
             <a:r>
-              <a:rPr lang="en-US" altLang="ko-KR" sz="1400" dirty="0" smtClean="0"/>
+              <a:rPr lang="en-US" altLang="ko-KR" sz="1400" dirty="0"/>
               <a:t>2</a:t>
             </a:r>
             <a:r>
-              <a:rPr lang="ko-KR" altLang="en-US" sz="1400" dirty="0" smtClean="0"/>
+              <a:rPr lang="ko-KR" altLang="en-US" sz="1400" dirty="0"/>
               <a:t>개 존재</a:t>
             </a:r>
             <a:r>
-              <a:rPr lang="en-US" altLang="ko-KR" sz="1400" dirty="0" smtClean="0"/>
+              <a:rPr lang="en-US" altLang="ko-KR" sz="1400" dirty="0"/>
               <a:t>.</a:t>
             </a:r>
           </a:p>
@@ -4003,21 +3917,175 @@
           </a:p>
           <a:p>
             <a:r>
-              <a:rPr lang="ko-KR" altLang="en-US" sz="1400" dirty="0" smtClean="0"/>
+              <a:rPr lang="ko-KR" altLang="en-US" sz="1400" dirty="0"/>
               <a:t>중앙 하단에 코드 변환을 실행하도록 하는</a:t>
             </a:r>
-            <a:endParaRPr lang="en-US" altLang="ko-KR" sz="1400" dirty="0" smtClean="0"/>
-          </a:p>
-          <a:p>
-            <a:r>
-              <a:rPr lang="ko-KR" altLang="en-US" sz="1400" dirty="0" smtClean="0"/>
+            <a:endParaRPr lang="en-US" altLang="ko-KR" sz="1400" dirty="0"/>
+          </a:p>
+          <a:p>
+            <a:r>
+              <a:rPr lang="ko-KR" altLang="en-US" sz="1400" dirty="0"/>
               <a:t>버튼 존재</a:t>
             </a:r>
             <a:r>
-              <a:rPr lang="en-US" altLang="ko-KR" sz="1400" dirty="0" smtClean="0"/>
+              <a:rPr lang="en-US" altLang="ko-KR" sz="1400" dirty="0"/>
               <a:t>.</a:t>
             </a:r>
-            <a:endParaRPr lang="ko-KR" altLang="en-US" sz="1400" dirty="0"/>
+          </a:p>
+          <a:p>
+            <a:endParaRPr lang="en-US" altLang="ko-KR" sz="1400" dirty="0"/>
+          </a:p>
+          <a:p>
+            <a:r>
+              <a:rPr lang="ko-KR" altLang="en-US" sz="1400" dirty="0"/>
+              <a:t>좌측 하단에 파일을 등록할 수 있는</a:t>
+            </a:r>
+            <a:endParaRPr lang="en-US" altLang="ko-KR" sz="1400" dirty="0"/>
+          </a:p>
+          <a:p>
+            <a:r>
+              <a:rPr lang="ko-KR" altLang="en-US" sz="1400" dirty="0"/>
+              <a:t>버튼 존재</a:t>
+            </a:r>
+            <a:endParaRPr lang="en-US" altLang="ko-KR" sz="1400" dirty="0"/>
+          </a:p>
+          <a:p>
+            <a:endParaRPr lang="en-US" altLang="ko-KR" sz="1400" dirty="0"/>
+          </a:p>
+          <a:p>
+            <a:r>
+              <a:rPr lang="ko-KR" altLang="en-US" sz="1400" dirty="0"/>
+              <a:t>우측 하단에 결과 파일을 다운받을 수 있는</a:t>
+            </a:r>
+            <a:endParaRPr lang="en-US" altLang="ko-KR" sz="1400" dirty="0"/>
+          </a:p>
+          <a:p>
+            <a:r>
+              <a:rPr lang="ko-KR" altLang="en-US" sz="1400" dirty="0"/>
+              <a:t>버튼 존재</a:t>
+            </a:r>
+          </a:p>
+        </p:txBody>
+      </p:sp>
+      <p:sp>
+        <p:nvSpPr>
+          <p:cNvPr id="3" name="직사각형 2">
+            <a:extLst>
+              <a:ext uri="{FF2B5EF4-FFF2-40B4-BE49-F238E27FC236}">
+                <a16:creationId xmlns:a16="http://schemas.microsoft.com/office/drawing/2014/main" id="{CE222D77-E5A7-D61C-185E-9E05F22FEC98}"/>
+              </a:ext>
+            </a:extLst>
+          </p:cNvPr>
+          <p:cNvSpPr/>
+          <p:nvPr/>
+        </p:nvSpPr>
+        <p:spPr>
+          <a:xfrm>
+            <a:off x="1224166" y="5644417"/>
+            <a:ext cx="568846" cy="515389"/>
+          </a:xfrm>
+          <a:prstGeom prst="rect">
+            <a:avLst/>
+          </a:prstGeom>
+          <a:solidFill>
+            <a:schemeClr val="bg2"/>
+          </a:solidFill>
+          <a:ln>
+            <a:solidFill>
+              <a:schemeClr val="tx1"/>
+            </a:solidFill>
+          </a:ln>
+        </p:spPr>
+        <p:style>
+          <a:lnRef idx="2">
+            <a:schemeClr val="accent1">
+              <a:shade val="50000"/>
+            </a:schemeClr>
+          </a:lnRef>
+          <a:fillRef idx="1">
+            <a:schemeClr val="accent1"/>
+          </a:fillRef>
+          <a:effectRef idx="0">
+            <a:schemeClr val="accent1"/>
+          </a:effectRef>
+          <a:fontRef idx="minor">
+            <a:schemeClr val="lt1"/>
+          </a:fontRef>
+        </p:style>
+        <p:txBody>
+          <a:bodyPr rtlCol="0" anchor="ctr"/>
+          <a:lstStyle/>
+          <a:p>
+            <a:pPr algn="ctr"/>
+            <a:r>
+              <a:rPr lang="ko-KR" altLang="en-US" sz="1400" dirty="0">
+                <a:solidFill>
+                  <a:schemeClr val="tx1"/>
+                </a:solidFill>
+              </a:rPr>
+              <a:t>열기</a:t>
+            </a:r>
+          </a:p>
+        </p:txBody>
+      </p:sp>
+      <p:sp>
+        <p:nvSpPr>
+          <p:cNvPr id="5" name="직사각형 4">
+            <a:extLst>
+              <a:ext uri="{FF2B5EF4-FFF2-40B4-BE49-F238E27FC236}">
+                <a16:creationId xmlns:a16="http://schemas.microsoft.com/office/drawing/2014/main" id="{D13CAC94-A9A0-1CD1-86D5-67AF8A49089F}"/>
+              </a:ext>
+            </a:extLst>
+          </p:cNvPr>
+          <p:cNvSpPr/>
+          <p:nvPr/>
+        </p:nvSpPr>
+        <p:spPr>
+          <a:xfrm>
+            <a:off x="7596449" y="5644417"/>
+            <a:ext cx="568846" cy="515389"/>
+          </a:xfrm>
+          <a:prstGeom prst="rect">
+            <a:avLst/>
+          </a:prstGeom>
+          <a:solidFill>
+            <a:schemeClr val="bg2"/>
+          </a:solidFill>
+          <a:ln>
+            <a:solidFill>
+              <a:schemeClr val="tx1"/>
+            </a:solidFill>
+          </a:ln>
+        </p:spPr>
+        <p:style>
+          <a:lnRef idx="2">
+            <a:schemeClr val="accent1">
+              <a:shade val="50000"/>
+            </a:schemeClr>
+          </a:lnRef>
+          <a:fillRef idx="1">
+            <a:schemeClr val="accent1"/>
+          </a:fillRef>
+          <a:effectRef idx="0">
+            <a:schemeClr val="accent1"/>
+          </a:effectRef>
+          <a:fontRef idx="minor">
+            <a:schemeClr val="lt1"/>
+          </a:fontRef>
+        </p:style>
+        <p:txBody>
+          <a:bodyPr rtlCol="0" anchor="ctr"/>
+          <a:lstStyle/>
+          <a:p>
+            <a:pPr algn="ctr"/>
+            <a:r>
+              <a:rPr lang="ko-KR" altLang="en-US" sz="1400" dirty="0">
+                <a:solidFill>
+                  <a:schemeClr val="tx1"/>
+                </a:solidFill>
+              </a:rPr>
+              <a:t>저장</a:t>
+            </a:r>
           </a:p>
         </p:txBody>
       </p:sp>
@@ -4074,11 +4142,11 @@
           <a:lstStyle/>
           <a:p>
             <a:r>
-              <a:rPr lang="ko-KR" altLang="en-US" dirty="0" smtClean="0"/>
+              <a:rPr lang="ko-KR" altLang="en-US" dirty="0"/>
               <a:t>언어 선택 </a:t>
             </a:r>
             <a:r>
-              <a:rPr lang="ko-KR" altLang="en-US" dirty="0" err="1" smtClean="0"/>
+              <a:rPr lang="ko-KR" altLang="en-US" dirty="0" err="1"/>
               <a:t>셀렉트박스</a:t>
             </a:r>
             <a:endParaRPr lang="ko-KR" altLang="en-US" dirty="0"/>
@@ -4130,18 +4198,13 @@
           <a:p>
             <a:pPr algn="ctr"/>
             <a:r>
-              <a:rPr lang="ko-KR" altLang="en-US" dirty="0" smtClean="0">
+              <a:rPr lang="ko-KR" altLang="en-US" dirty="0">
                 <a:solidFill>
                   <a:schemeClr val="tx1"/>
                 </a:solidFill>
               </a:rPr>
               <a:t>언어 선택</a:t>
             </a:r>
-            <a:endParaRPr lang="ko-KR" altLang="en-US" dirty="0">
-              <a:solidFill>
-                <a:schemeClr val="tx1"/>
-              </a:solidFill>
-            </a:endParaRPr>
           </a:p>
         </p:txBody>
       </p:sp>
@@ -4216,40 +4279,40 @@
           <a:lstStyle/>
           <a:p>
             <a:r>
-              <a:rPr lang="ko-KR" altLang="en-US" sz="1400" dirty="0" smtClean="0"/>
+              <a:rPr lang="ko-KR" altLang="en-US" sz="1400" dirty="0"/>
               <a:t>언어 선택 </a:t>
             </a:r>
             <a:r>
-              <a:rPr lang="ko-KR" altLang="en-US" sz="1400" dirty="0" err="1" smtClean="0"/>
+              <a:rPr lang="ko-KR" altLang="en-US" sz="1400" dirty="0" err="1"/>
               <a:t>셀렉트박스를</a:t>
             </a:r>
             <a:r>
-              <a:rPr lang="ko-KR" altLang="en-US" sz="1400" dirty="0" smtClean="0"/>
+              <a:rPr lang="ko-KR" altLang="en-US" sz="1400" dirty="0"/>
               <a:t> 클릭 시</a:t>
             </a:r>
-            <a:endParaRPr lang="en-US" altLang="ko-KR" sz="1400" dirty="0" smtClean="0"/>
-          </a:p>
-          <a:p>
-            <a:r>
-              <a:rPr lang="ko-KR" altLang="en-US" sz="1400" dirty="0" smtClean="0"/>
+            <a:endParaRPr lang="en-US" altLang="ko-KR" sz="1400" dirty="0"/>
+          </a:p>
+          <a:p>
+            <a:r>
+              <a:rPr lang="ko-KR" altLang="en-US" sz="1400" dirty="0"/>
               <a:t>호환 언어 </a:t>
             </a:r>
             <a:r>
-              <a:rPr lang="en-US" altLang="ko-KR" sz="1400" dirty="0" smtClean="0"/>
+              <a:rPr lang="en-US" altLang="ko-KR" sz="1400" dirty="0"/>
               <a:t>5</a:t>
             </a:r>
             <a:r>
-              <a:rPr lang="ko-KR" altLang="en-US" sz="1400" dirty="0" smtClean="0"/>
+              <a:rPr lang="ko-KR" altLang="en-US" sz="1400" dirty="0"/>
               <a:t>개인 </a:t>
             </a:r>
             <a:r>
-              <a:rPr lang="en-US" altLang="ko-KR" sz="1400" dirty="0" smtClean="0"/>
+              <a:rPr lang="en-US" altLang="ko-KR" sz="1400" dirty="0"/>
               <a:t>C, C++, C#, Python, Java</a:t>
             </a:r>
           </a:p>
           <a:p>
             <a:r>
-              <a:rPr lang="ko-KR" altLang="en-US" sz="1400" dirty="0" smtClean="0"/>
+              <a:rPr lang="ko-KR" altLang="en-US" sz="1400" dirty="0"/>
               <a:t>옵션 표시</a:t>
             </a:r>
             <a:r>
@@ -4305,7 +4368,7 @@
           <a:p>
             <a:pPr algn="ctr"/>
             <a:r>
-              <a:rPr lang="en-US" altLang="ko-KR" dirty="0" smtClean="0">
+              <a:rPr lang="en-US" altLang="ko-KR" dirty="0">
                 <a:solidFill>
                   <a:schemeClr val="tx1"/>
                 </a:solidFill>
@@ -4316,7 +4379,7 @@
           <a:p>
             <a:pPr algn="ctr"/>
             <a:r>
-              <a:rPr lang="en-US" altLang="ko-KR" dirty="0" smtClean="0">
+              <a:rPr lang="en-US" altLang="ko-KR" dirty="0">
                 <a:solidFill>
                   <a:schemeClr val="tx1"/>
                 </a:solidFill>
@@ -4327,7 +4390,7 @@
           <a:p>
             <a:pPr algn="ctr"/>
             <a:r>
-              <a:rPr lang="en-US" altLang="ko-KR" dirty="0" smtClean="0">
+              <a:rPr lang="en-US" altLang="ko-KR" dirty="0">
                 <a:solidFill>
                   <a:schemeClr val="tx1"/>
                 </a:solidFill>
@@ -4338,7 +4401,7 @@
           <a:p>
             <a:pPr algn="ctr"/>
             <a:r>
-              <a:rPr lang="en-US" altLang="ko-KR" dirty="0" smtClean="0">
+              <a:rPr lang="en-US" altLang="ko-KR" dirty="0">
                 <a:solidFill>
                   <a:schemeClr val="tx1"/>
                 </a:solidFill>
@@ -4349,7 +4412,7 @@
           <a:p>
             <a:pPr algn="ctr"/>
             <a:r>
-              <a:rPr lang="en-US" altLang="ko-KR" dirty="0" smtClean="0">
+              <a:rPr lang="en-US" altLang="ko-KR" dirty="0">
                 <a:solidFill>
                   <a:schemeClr val="tx1"/>
                 </a:solidFill>
@@ -4409,18 +4472,13 @@
           <a:p>
             <a:pPr algn="ctr"/>
             <a:r>
-              <a:rPr lang="ko-KR" altLang="en-US" dirty="0" smtClean="0">
+              <a:rPr lang="ko-KR" altLang="en-US" dirty="0">
                 <a:solidFill>
                   <a:schemeClr val="tx1"/>
                 </a:solidFill>
               </a:rPr>
               <a:t>언어 선택</a:t>
             </a:r>
-            <a:endParaRPr lang="ko-KR" altLang="en-US" dirty="0">
-              <a:solidFill>
-                <a:schemeClr val="tx1"/>
-              </a:solidFill>
-            </a:endParaRPr>
           </a:p>
         </p:txBody>
       </p:sp>
@@ -4517,14 +4575,338 @@
           <a:p>
             <a:pPr algn="ctr"/>
             <a:r>
-              <a:rPr lang="ko-KR" altLang="en-US" dirty="0" smtClean="0">
+              <a:rPr lang="ko-KR" altLang="en-US" dirty="0">
                 <a:solidFill>
                   <a:schemeClr val="tx1"/>
                 </a:solidFill>
               </a:rPr>
               <a:t>변환</a:t>
             </a:r>
-            <a:endParaRPr lang="ko-KR" altLang="en-US" dirty="0">
+          </a:p>
+        </p:txBody>
+      </p:sp>
+    </p:spTree>
+    <p:extLst>
+      <p:ext uri="{BB962C8B-B14F-4D97-AF65-F5344CB8AC3E}">
+        <p14:creationId xmlns:p14="http://schemas.microsoft.com/office/powerpoint/2010/main" val="1574051322"/>
+      </p:ext>
+    </p:extLst>
+  </p:cSld>
+  <p:clrMapOvr>
+    <a:masterClrMapping/>
+  </p:clrMapOvr>
+</p:sld>
+</file>
+
+<file path=ppt/slides/slide3.xml><?xml version="1.0" encoding="utf-8"?>
+<p:sld xmlns:a="http://schemas.openxmlformats.org/drawingml/2006/main" xmlns:r="http://schemas.openxmlformats.org/officeDocument/2006/relationships" xmlns:p="http://schemas.openxmlformats.org/presentationml/2006/main">
+  <p:cSld>
+    <p:spTree>
+      <p:nvGrpSpPr>
+        <p:cNvPr id="1" name=""/>
+        <p:cNvGrpSpPr/>
+        <p:nvPr/>
+      </p:nvGrpSpPr>
+      <p:grpSpPr>
+        <a:xfrm>
+          <a:off x="0" y="0"/>
+          <a:ext cx="0" cy="0"/>
+          <a:chOff x="0" y="0"/>
+          <a:chExt cx="0" cy="0"/>
+        </a:xfrm>
+      </p:grpSpPr>
+      <p:sp>
+        <p:nvSpPr>
+          <p:cNvPr id="4" name="TextBox 3"/>
+          <p:cNvSpPr txBox="1"/>
+          <p:nvPr/>
+        </p:nvSpPr>
+        <p:spPr>
+          <a:xfrm>
+            <a:off x="399011" y="382386"/>
+            <a:ext cx="1733167" cy="369332"/>
+          </a:xfrm>
+          <a:prstGeom prst="rect">
+            <a:avLst/>
+          </a:prstGeom>
+          <a:noFill/>
+        </p:spPr>
+        <p:txBody>
+          <a:bodyPr wrap="none" rtlCol="0">
+            <a:spAutoFit/>
+          </a:bodyPr>
+          <a:lstStyle/>
+          <a:p>
+            <a:r>
+              <a:rPr lang="ko-KR" altLang="en-US" dirty="0"/>
+              <a:t>파일 등록 버튼</a:t>
+            </a:r>
+          </a:p>
+        </p:txBody>
+      </p:sp>
+      <p:sp>
+        <p:nvSpPr>
+          <p:cNvPr id="17" name="TextBox 16"/>
+          <p:cNvSpPr txBox="1"/>
+          <p:nvPr/>
+        </p:nvSpPr>
+        <p:spPr>
+          <a:xfrm>
+            <a:off x="8480829" y="1306586"/>
+            <a:ext cx="2706190" cy="523220"/>
+          </a:xfrm>
+          <a:prstGeom prst="rect">
+            <a:avLst/>
+          </a:prstGeom>
+          <a:noFill/>
+        </p:spPr>
+        <p:txBody>
+          <a:bodyPr wrap="none" rtlCol="0">
+            <a:spAutoFit/>
+          </a:bodyPr>
+          <a:lstStyle/>
+          <a:p>
+            <a:r>
+              <a:rPr lang="ko-KR" altLang="en-US" sz="1400" dirty="0"/>
+              <a:t>열기 버튼을 누르면 시스템에서</a:t>
+            </a:r>
+            <a:endParaRPr lang="en-US" altLang="ko-KR" sz="1400" dirty="0"/>
+          </a:p>
+          <a:p>
+            <a:r>
+              <a:rPr lang="ko-KR" altLang="en-US" sz="1400" dirty="0"/>
+              <a:t>파일을 등록할 수 있는 창 표시</a:t>
+            </a:r>
+          </a:p>
+        </p:txBody>
+      </p:sp>
+      <p:sp>
+        <p:nvSpPr>
+          <p:cNvPr id="3" name="직사각형 2">
+            <a:extLst>
+              <a:ext uri="{FF2B5EF4-FFF2-40B4-BE49-F238E27FC236}">
+                <a16:creationId xmlns:a16="http://schemas.microsoft.com/office/drawing/2014/main" id="{F71A316C-670D-0EDB-A453-0E152F1FDB09}"/>
+              </a:ext>
+            </a:extLst>
+          </p:cNvPr>
+          <p:cNvSpPr/>
+          <p:nvPr/>
+        </p:nvSpPr>
+        <p:spPr>
+          <a:xfrm>
+            <a:off x="981171" y="1787555"/>
+            <a:ext cx="568846" cy="515389"/>
+          </a:xfrm>
+          <a:prstGeom prst="rect">
+            <a:avLst/>
+          </a:prstGeom>
+          <a:solidFill>
+            <a:schemeClr val="bg2"/>
+          </a:solidFill>
+          <a:ln>
+            <a:solidFill>
+              <a:schemeClr val="tx1"/>
+            </a:solidFill>
+          </a:ln>
+        </p:spPr>
+        <p:style>
+          <a:lnRef idx="2">
+            <a:schemeClr val="accent1">
+              <a:shade val="50000"/>
+            </a:schemeClr>
+          </a:lnRef>
+          <a:fillRef idx="1">
+            <a:schemeClr val="accent1"/>
+          </a:fillRef>
+          <a:effectRef idx="0">
+            <a:schemeClr val="accent1"/>
+          </a:effectRef>
+          <a:fontRef idx="minor">
+            <a:schemeClr val="lt1"/>
+          </a:fontRef>
+        </p:style>
+        <p:txBody>
+          <a:bodyPr rtlCol="0" anchor="ctr"/>
+          <a:lstStyle/>
+          <a:p>
+            <a:pPr algn="ctr"/>
+            <a:r>
+              <a:rPr lang="ko-KR" altLang="en-US" sz="1400" dirty="0">
+                <a:solidFill>
+                  <a:schemeClr val="tx1"/>
+                </a:solidFill>
+              </a:rPr>
+              <a:t>열기</a:t>
+            </a:r>
+          </a:p>
+        </p:txBody>
+      </p:sp>
+      <p:sp>
+        <p:nvSpPr>
+          <p:cNvPr id="5" name="직사각형 4">
+            <a:extLst>
+              <a:ext uri="{FF2B5EF4-FFF2-40B4-BE49-F238E27FC236}">
+                <a16:creationId xmlns:a16="http://schemas.microsoft.com/office/drawing/2014/main" id="{67BBE721-B1F8-3AA7-1F2F-3D96D1AE2993}"/>
+              </a:ext>
+            </a:extLst>
+          </p:cNvPr>
+          <p:cNvSpPr/>
+          <p:nvPr/>
+        </p:nvSpPr>
+        <p:spPr>
+          <a:xfrm>
+            <a:off x="2556933" y="1787555"/>
+            <a:ext cx="5215467" cy="3598333"/>
+          </a:xfrm>
+          <a:prstGeom prst="rect">
+            <a:avLst/>
+          </a:prstGeom>
+          <a:solidFill>
+            <a:schemeClr val="bg2"/>
+          </a:solidFill>
+          <a:ln>
+            <a:solidFill>
+              <a:schemeClr val="tx1"/>
+            </a:solidFill>
+          </a:ln>
+        </p:spPr>
+        <p:style>
+          <a:lnRef idx="2">
+            <a:schemeClr val="accent1">
+              <a:shade val="50000"/>
+            </a:schemeClr>
+          </a:lnRef>
+          <a:fillRef idx="1">
+            <a:schemeClr val="accent1"/>
+          </a:fillRef>
+          <a:effectRef idx="0">
+            <a:schemeClr val="accent1"/>
+          </a:effectRef>
+          <a:fontRef idx="minor">
+            <a:schemeClr val="lt1"/>
+          </a:fontRef>
+        </p:style>
+        <p:txBody>
+          <a:bodyPr rtlCol="0" anchor="ctr"/>
+          <a:lstStyle/>
+          <a:p>
+            <a:pPr algn="ctr"/>
+            <a:endParaRPr lang="ko-KR" altLang="en-US"/>
+          </a:p>
+        </p:txBody>
+      </p:sp>
+      <p:sp>
+        <p:nvSpPr>
+          <p:cNvPr id="6" name="화살표: 오른쪽 5">
+            <a:extLst>
+              <a:ext uri="{FF2B5EF4-FFF2-40B4-BE49-F238E27FC236}">
+                <a16:creationId xmlns:a16="http://schemas.microsoft.com/office/drawing/2014/main" id="{E3721B0B-8705-FF31-C746-6D05B188F6B1}"/>
+              </a:ext>
+            </a:extLst>
+          </p:cNvPr>
+          <p:cNvSpPr/>
+          <p:nvPr/>
+        </p:nvSpPr>
+        <p:spPr>
+          <a:xfrm>
+            <a:off x="1995979" y="1963359"/>
+            <a:ext cx="262467" cy="220133"/>
+          </a:xfrm>
+          <a:prstGeom prst="rightArrow">
+            <a:avLst/>
+          </a:prstGeom>
+          <a:solidFill>
+            <a:schemeClr val="bg2"/>
+          </a:solidFill>
+          <a:ln>
+            <a:solidFill>
+              <a:schemeClr val="tx1"/>
+            </a:solidFill>
+          </a:ln>
+        </p:spPr>
+        <p:style>
+          <a:lnRef idx="2">
+            <a:schemeClr val="accent1">
+              <a:shade val="50000"/>
+            </a:schemeClr>
+          </a:lnRef>
+          <a:fillRef idx="1">
+            <a:schemeClr val="accent1"/>
+          </a:fillRef>
+          <a:effectRef idx="0">
+            <a:schemeClr val="accent1"/>
+          </a:effectRef>
+          <a:fontRef idx="minor">
+            <a:schemeClr val="lt1"/>
+          </a:fontRef>
+        </p:style>
+        <p:txBody>
+          <a:bodyPr rtlCol="0" anchor="ctr"/>
+          <a:lstStyle/>
+          <a:p>
+            <a:pPr algn="ctr"/>
+            <a:endParaRPr lang="ko-KR" altLang="en-US"/>
+          </a:p>
+        </p:txBody>
+      </p:sp>
+      <p:sp>
+        <p:nvSpPr>
+          <p:cNvPr id="7" name="직사각형 6">
+            <a:extLst>
+              <a:ext uri="{FF2B5EF4-FFF2-40B4-BE49-F238E27FC236}">
+                <a16:creationId xmlns:a16="http://schemas.microsoft.com/office/drawing/2014/main" id="{29C13451-377B-CB26-71EE-B1350FDC253D}"/>
+              </a:ext>
+            </a:extLst>
+          </p:cNvPr>
+          <p:cNvSpPr/>
+          <p:nvPr/>
+        </p:nvSpPr>
+        <p:spPr>
+          <a:xfrm>
+            <a:off x="2789766" y="1963369"/>
+            <a:ext cx="4415367" cy="339575"/>
+          </a:xfrm>
+          <a:prstGeom prst="rect">
+            <a:avLst/>
+          </a:prstGeom>
+          <a:solidFill>
+            <a:schemeClr val="bg2"/>
+          </a:solidFill>
+          <a:ln>
+            <a:solidFill>
+              <a:schemeClr val="tx1"/>
+            </a:solidFill>
+          </a:ln>
+        </p:spPr>
+        <p:style>
+          <a:lnRef idx="2">
+            <a:schemeClr val="accent1">
+              <a:shade val="50000"/>
+            </a:schemeClr>
+          </a:lnRef>
+          <a:fillRef idx="1">
+            <a:schemeClr val="accent1"/>
+          </a:fillRef>
+          <a:effectRef idx="0">
+            <a:schemeClr val="accent1"/>
+          </a:effectRef>
+          <a:fontRef idx="minor">
+            <a:schemeClr val="lt1"/>
+          </a:fontRef>
+        </p:style>
+        <p:txBody>
+          <a:bodyPr rtlCol="0" anchor="ctr"/>
+          <a:lstStyle/>
+          <a:p>
+            <a:r>
+              <a:rPr lang="en-US" altLang="ko-KR" sz="1400" dirty="0">
+                <a:solidFill>
+                  <a:schemeClr val="tx1"/>
+                </a:solidFill>
+              </a:rPr>
+              <a:t>C\...</a:t>
+            </a:r>
+            <a:endParaRPr lang="ko-KR" altLang="en-US" sz="1400" dirty="0">
               <a:solidFill>
                 <a:schemeClr val="tx1"/>
               </a:solidFill>
@@ -4532,10 +4914,939 @@
           </a:p>
         </p:txBody>
       </p:sp>
+      <p:sp>
+        <p:nvSpPr>
+          <p:cNvPr id="8" name="직사각형 7">
+            <a:extLst>
+              <a:ext uri="{FF2B5EF4-FFF2-40B4-BE49-F238E27FC236}">
+                <a16:creationId xmlns:a16="http://schemas.microsoft.com/office/drawing/2014/main" id="{D1D29D97-437C-F1F2-738B-55EC0EF60121}"/>
+              </a:ext>
+            </a:extLst>
+          </p:cNvPr>
+          <p:cNvSpPr/>
+          <p:nvPr/>
+        </p:nvSpPr>
+        <p:spPr>
+          <a:xfrm>
+            <a:off x="7323668" y="1976058"/>
+            <a:ext cx="330200" cy="326886"/>
+          </a:xfrm>
+          <a:prstGeom prst="rect">
+            <a:avLst/>
+          </a:prstGeom>
+          <a:solidFill>
+            <a:schemeClr val="bg2"/>
+          </a:solidFill>
+          <a:ln>
+            <a:solidFill>
+              <a:schemeClr val="tx1"/>
+            </a:solidFill>
+          </a:ln>
+        </p:spPr>
+        <p:style>
+          <a:lnRef idx="2">
+            <a:schemeClr val="accent1">
+              <a:shade val="50000"/>
+            </a:schemeClr>
+          </a:lnRef>
+          <a:fillRef idx="1">
+            <a:schemeClr val="accent1"/>
+          </a:fillRef>
+          <a:effectRef idx="0">
+            <a:schemeClr val="accent1"/>
+          </a:effectRef>
+          <a:fontRef idx="minor">
+            <a:schemeClr val="lt1"/>
+          </a:fontRef>
+        </p:style>
+        <p:txBody>
+          <a:bodyPr rtlCol="0" anchor="ctr"/>
+          <a:lstStyle/>
+          <a:p>
+            <a:pPr algn="ctr"/>
+            <a:r>
+              <a:rPr lang="en-US" altLang="ko-KR" dirty="0">
+                <a:solidFill>
+                  <a:srgbClr val="FF0000"/>
+                </a:solidFill>
+              </a:rPr>
+              <a:t>X</a:t>
+            </a:r>
+            <a:endParaRPr lang="ko-KR" altLang="en-US" dirty="0">
+              <a:solidFill>
+                <a:srgbClr val="FF0000"/>
+              </a:solidFill>
+            </a:endParaRPr>
+          </a:p>
+        </p:txBody>
+      </p:sp>
+      <p:sp>
+        <p:nvSpPr>
+          <p:cNvPr id="10" name="직사각형 9">
+            <a:extLst>
+              <a:ext uri="{FF2B5EF4-FFF2-40B4-BE49-F238E27FC236}">
+                <a16:creationId xmlns:a16="http://schemas.microsoft.com/office/drawing/2014/main" id="{D99288DA-F7AB-E844-29D9-B81AF42E6BC5}"/>
+              </a:ext>
+            </a:extLst>
+          </p:cNvPr>
+          <p:cNvSpPr/>
+          <p:nvPr/>
+        </p:nvSpPr>
+        <p:spPr>
+          <a:xfrm>
+            <a:off x="2789767" y="4826909"/>
+            <a:ext cx="4144434" cy="339575"/>
+          </a:xfrm>
+          <a:prstGeom prst="rect">
+            <a:avLst/>
+          </a:prstGeom>
+          <a:solidFill>
+            <a:schemeClr val="bg2"/>
+          </a:solidFill>
+          <a:ln>
+            <a:solidFill>
+              <a:schemeClr val="tx1"/>
+            </a:solidFill>
+          </a:ln>
+        </p:spPr>
+        <p:style>
+          <a:lnRef idx="2">
+            <a:schemeClr val="accent1">
+              <a:shade val="50000"/>
+            </a:schemeClr>
+          </a:lnRef>
+          <a:fillRef idx="1">
+            <a:schemeClr val="accent1"/>
+          </a:fillRef>
+          <a:effectRef idx="0">
+            <a:schemeClr val="accent1"/>
+          </a:effectRef>
+          <a:fontRef idx="minor">
+            <a:schemeClr val="lt1"/>
+          </a:fontRef>
+        </p:style>
+        <p:txBody>
+          <a:bodyPr rtlCol="0" anchor="ctr"/>
+          <a:lstStyle/>
+          <a:p>
+            <a:r>
+              <a:rPr lang="en-US" altLang="ko-KR" sz="1400" dirty="0" err="1">
+                <a:solidFill>
+                  <a:schemeClr val="tx1"/>
+                </a:solidFill>
+              </a:rPr>
+              <a:t>Sample.cs</a:t>
+            </a:r>
+            <a:endParaRPr lang="ko-KR" altLang="en-US" sz="1400" dirty="0">
+              <a:solidFill>
+                <a:schemeClr val="tx1"/>
+              </a:solidFill>
+            </a:endParaRPr>
+          </a:p>
+        </p:txBody>
+      </p:sp>
+      <p:sp>
+        <p:nvSpPr>
+          <p:cNvPr id="11" name="직사각형 10">
+            <a:extLst>
+              <a:ext uri="{FF2B5EF4-FFF2-40B4-BE49-F238E27FC236}">
+                <a16:creationId xmlns:a16="http://schemas.microsoft.com/office/drawing/2014/main" id="{45F20CF1-5F09-6623-5EEA-74CC050D75FE}"/>
+              </a:ext>
+            </a:extLst>
+          </p:cNvPr>
+          <p:cNvSpPr/>
+          <p:nvPr/>
+        </p:nvSpPr>
+        <p:spPr>
+          <a:xfrm>
+            <a:off x="7061200" y="4826909"/>
+            <a:ext cx="592666" cy="339575"/>
+          </a:xfrm>
+          <a:prstGeom prst="rect">
+            <a:avLst/>
+          </a:prstGeom>
+          <a:solidFill>
+            <a:schemeClr val="bg2"/>
+          </a:solidFill>
+          <a:ln>
+            <a:solidFill>
+              <a:schemeClr val="tx1"/>
+            </a:solidFill>
+          </a:ln>
+        </p:spPr>
+        <p:style>
+          <a:lnRef idx="2">
+            <a:schemeClr val="accent1">
+              <a:shade val="50000"/>
+            </a:schemeClr>
+          </a:lnRef>
+          <a:fillRef idx="1">
+            <a:schemeClr val="accent1"/>
+          </a:fillRef>
+          <a:effectRef idx="0">
+            <a:schemeClr val="accent1"/>
+          </a:effectRef>
+          <a:fontRef idx="minor">
+            <a:schemeClr val="lt1"/>
+          </a:fontRef>
+        </p:style>
+        <p:txBody>
+          <a:bodyPr rtlCol="0" anchor="ctr"/>
+          <a:lstStyle/>
+          <a:p>
+            <a:pPr algn="ctr"/>
+            <a:r>
+              <a:rPr lang="ko-KR" altLang="en-US" sz="1200" dirty="0">
+                <a:solidFill>
+                  <a:schemeClr val="tx1"/>
+                </a:solidFill>
+              </a:rPr>
+              <a:t>열기</a:t>
+            </a:r>
+          </a:p>
+        </p:txBody>
+      </p:sp>
+      <p:sp>
+        <p:nvSpPr>
+          <p:cNvPr id="12" name="직사각형 11">
+            <a:extLst>
+              <a:ext uri="{FF2B5EF4-FFF2-40B4-BE49-F238E27FC236}">
+                <a16:creationId xmlns:a16="http://schemas.microsoft.com/office/drawing/2014/main" id="{189E2D6F-E041-0833-66C5-8CE64D0AF56E}"/>
+              </a:ext>
+            </a:extLst>
+          </p:cNvPr>
+          <p:cNvSpPr/>
+          <p:nvPr/>
+        </p:nvSpPr>
+        <p:spPr>
+          <a:xfrm>
+            <a:off x="2789767" y="2497667"/>
+            <a:ext cx="4635500" cy="2109838"/>
+          </a:xfrm>
+          <a:prstGeom prst="rect">
+            <a:avLst/>
+          </a:prstGeom>
+          <a:solidFill>
+            <a:schemeClr val="bg2"/>
+          </a:solidFill>
+          <a:ln>
+            <a:solidFill>
+              <a:schemeClr val="tx1"/>
+            </a:solidFill>
+          </a:ln>
+        </p:spPr>
+        <p:style>
+          <a:lnRef idx="2">
+            <a:schemeClr val="accent1">
+              <a:shade val="50000"/>
+            </a:schemeClr>
+          </a:lnRef>
+          <a:fillRef idx="1">
+            <a:schemeClr val="accent1"/>
+          </a:fillRef>
+          <a:effectRef idx="0">
+            <a:schemeClr val="accent1"/>
+          </a:effectRef>
+          <a:fontRef idx="minor">
+            <a:schemeClr val="lt1"/>
+          </a:fontRef>
+        </p:style>
+        <p:txBody>
+          <a:bodyPr rtlCol="0" anchor="ctr"/>
+          <a:lstStyle/>
+          <a:p>
+            <a:pPr algn="ctr"/>
+            <a:endParaRPr lang="ko-KR" altLang="en-US"/>
+          </a:p>
+        </p:txBody>
+      </p:sp>
+      <p:sp>
+        <p:nvSpPr>
+          <p:cNvPr id="13" name="사각형: 둥근 모서리 12">
+            <a:extLst>
+              <a:ext uri="{FF2B5EF4-FFF2-40B4-BE49-F238E27FC236}">
+                <a16:creationId xmlns:a16="http://schemas.microsoft.com/office/drawing/2014/main" id="{7DA38462-6677-E7DE-6629-58299CA6B1B6}"/>
+              </a:ext>
+            </a:extLst>
+          </p:cNvPr>
+          <p:cNvSpPr/>
+          <p:nvPr/>
+        </p:nvSpPr>
+        <p:spPr>
+          <a:xfrm>
+            <a:off x="7552267" y="2491447"/>
+            <a:ext cx="93133" cy="2109838"/>
+          </a:xfrm>
+          <a:prstGeom prst="roundRect">
+            <a:avLst/>
+          </a:prstGeom>
+          <a:solidFill>
+            <a:schemeClr val="bg2"/>
+          </a:solidFill>
+          <a:ln>
+            <a:solidFill>
+              <a:schemeClr val="tx1"/>
+            </a:solidFill>
+          </a:ln>
+        </p:spPr>
+        <p:style>
+          <a:lnRef idx="2">
+            <a:schemeClr val="accent1">
+              <a:shade val="50000"/>
+            </a:schemeClr>
+          </a:lnRef>
+          <a:fillRef idx="1">
+            <a:schemeClr val="accent1"/>
+          </a:fillRef>
+          <a:effectRef idx="0">
+            <a:schemeClr val="accent1"/>
+          </a:effectRef>
+          <a:fontRef idx="minor">
+            <a:schemeClr val="lt1"/>
+          </a:fontRef>
+        </p:style>
+        <p:txBody>
+          <a:bodyPr rtlCol="0" anchor="ctr"/>
+          <a:lstStyle/>
+          <a:p>
+            <a:pPr algn="ctr"/>
+            <a:endParaRPr lang="ko-KR" altLang="en-US"/>
+          </a:p>
+        </p:txBody>
+      </p:sp>
     </p:spTree>
     <p:extLst>
       <p:ext uri="{BB962C8B-B14F-4D97-AF65-F5344CB8AC3E}">
-        <p14:creationId xmlns:p14="http://schemas.microsoft.com/office/powerpoint/2010/main" val="1574051322"/>
+        <p14:creationId xmlns:p14="http://schemas.microsoft.com/office/powerpoint/2010/main" val="1490351310"/>
+      </p:ext>
+    </p:extLst>
+  </p:cSld>
+  <p:clrMapOvr>
+    <a:masterClrMapping/>
+  </p:clrMapOvr>
+</p:sld>
+</file>
+
+<file path=ppt/slides/slide4.xml><?xml version="1.0" encoding="utf-8"?>
+<p:sld xmlns:a="http://schemas.openxmlformats.org/drawingml/2006/main" xmlns:r="http://schemas.openxmlformats.org/officeDocument/2006/relationships" xmlns:p="http://schemas.openxmlformats.org/presentationml/2006/main">
+  <p:cSld>
+    <p:spTree>
+      <p:nvGrpSpPr>
+        <p:cNvPr id="1" name=""/>
+        <p:cNvGrpSpPr/>
+        <p:nvPr/>
+      </p:nvGrpSpPr>
+      <p:grpSpPr>
+        <a:xfrm>
+          <a:off x="0" y="0"/>
+          <a:ext cx="0" cy="0"/>
+          <a:chOff x="0" y="0"/>
+          <a:chExt cx="0" cy="0"/>
+        </a:xfrm>
+      </p:grpSpPr>
+      <p:sp>
+        <p:nvSpPr>
+          <p:cNvPr id="4" name="TextBox 3"/>
+          <p:cNvSpPr txBox="1"/>
+          <p:nvPr/>
+        </p:nvSpPr>
+        <p:spPr>
+          <a:xfrm>
+            <a:off x="399011" y="382386"/>
+            <a:ext cx="1733167" cy="369332"/>
+          </a:xfrm>
+          <a:prstGeom prst="rect">
+            <a:avLst/>
+          </a:prstGeom>
+          <a:noFill/>
+        </p:spPr>
+        <p:txBody>
+          <a:bodyPr wrap="none" rtlCol="0">
+            <a:spAutoFit/>
+          </a:bodyPr>
+          <a:lstStyle/>
+          <a:p>
+            <a:r>
+              <a:rPr lang="ko-KR" altLang="en-US" dirty="0"/>
+              <a:t>파일 다운 버튼</a:t>
+            </a:r>
+          </a:p>
+        </p:txBody>
+      </p:sp>
+      <p:sp>
+        <p:nvSpPr>
+          <p:cNvPr id="17" name="TextBox 16"/>
+          <p:cNvSpPr txBox="1"/>
+          <p:nvPr/>
+        </p:nvSpPr>
+        <p:spPr>
+          <a:xfrm>
+            <a:off x="8480829" y="1306586"/>
+            <a:ext cx="2948243" cy="523220"/>
+          </a:xfrm>
+          <a:prstGeom prst="rect">
+            <a:avLst/>
+          </a:prstGeom>
+          <a:noFill/>
+        </p:spPr>
+        <p:txBody>
+          <a:bodyPr wrap="none" rtlCol="0">
+            <a:spAutoFit/>
+          </a:bodyPr>
+          <a:lstStyle/>
+          <a:p>
+            <a:r>
+              <a:rPr lang="ko-KR" altLang="en-US" sz="1400" dirty="0"/>
+              <a:t>저장 버튼을 누르면 변환된 파일을</a:t>
+            </a:r>
+            <a:endParaRPr lang="en-US" altLang="ko-KR" sz="1400" dirty="0"/>
+          </a:p>
+          <a:p>
+            <a:r>
+              <a:rPr lang="ko-KR" altLang="en-US" sz="1400" dirty="0"/>
+              <a:t>저장할 수 있는 창 표시 </a:t>
+            </a:r>
+          </a:p>
+        </p:txBody>
+      </p:sp>
+      <p:sp>
+        <p:nvSpPr>
+          <p:cNvPr id="3" name="직사각형 2">
+            <a:extLst>
+              <a:ext uri="{FF2B5EF4-FFF2-40B4-BE49-F238E27FC236}">
+                <a16:creationId xmlns:a16="http://schemas.microsoft.com/office/drawing/2014/main" id="{ED938EF4-A932-8FF5-F169-9919B4C7D716}"/>
+              </a:ext>
+            </a:extLst>
+          </p:cNvPr>
+          <p:cNvSpPr/>
+          <p:nvPr/>
+        </p:nvSpPr>
+        <p:spPr>
+          <a:xfrm>
+            <a:off x="981171" y="1787555"/>
+            <a:ext cx="568846" cy="515389"/>
+          </a:xfrm>
+          <a:prstGeom prst="rect">
+            <a:avLst/>
+          </a:prstGeom>
+          <a:solidFill>
+            <a:schemeClr val="bg2"/>
+          </a:solidFill>
+          <a:ln>
+            <a:solidFill>
+              <a:schemeClr val="tx1"/>
+            </a:solidFill>
+          </a:ln>
+        </p:spPr>
+        <p:style>
+          <a:lnRef idx="2">
+            <a:schemeClr val="accent1">
+              <a:shade val="50000"/>
+            </a:schemeClr>
+          </a:lnRef>
+          <a:fillRef idx="1">
+            <a:schemeClr val="accent1"/>
+          </a:fillRef>
+          <a:effectRef idx="0">
+            <a:schemeClr val="accent1"/>
+          </a:effectRef>
+          <a:fontRef idx="minor">
+            <a:schemeClr val="lt1"/>
+          </a:fontRef>
+        </p:style>
+        <p:txBody>
+          <a:bodyPr rtlCol="0" anchor="ctr"/>
+          <a:lstStyle/>
+          <a:p>
+            <a:pPr algn="ctr"/>
+            <a:r>
+              <a:rPr lang="ko-KR" altLang="en-US" sz="1400" dirty="0">
+                <a:solidFill>
+                  <a:schemeClr val="tx1"/>
+                </a:solidFill>
+              </a:rPr>
+              <a:t>저장</a:t>
+            </a:r>
+          </a:p>
+        </p:txBody>
+      </p:sp>
+      <p:sp>
+        <p:nvSpPr>
+          <p:cNvPr id="5" name="직사각형 4">
+            <a:extLst>
+              <a:ext uri="{FF2B5EF4-FFF2-40B4-BE49-F238E27FC236}">
+                <a16:creationId xmlns:a16="http://schemas.microsoft.com/office/drawing/2014/main" id="{0E66962B-8635-D308-1F0D-DAAAA8AAE4C1}"/>
+              </a:ext>
+            </a:extLst>
+          </p:cNvPr>
+          <p:cNvSpPr/>
+          <p:nvPr/>
+        </p:nvSpPr>
+        <p:spPr>
+          <a:xfrm>
+            <a:off x="2556933" y="1787555"/>
+            <a:ext cx="5215467" cy="3598333"/>
+          </a:xfrm>
+          <a:prstGeom prst="rect">
+            <a:avLst/>
+          </a:prstGeom>
+          <a:solidFill>
+            <a:schemeClr val="bg2"/>
+          </a:solidFill>
+          <a:ln>
+            <a:solidFill>
+              <a:schemeClr val="tx1"/>
+            </a:solidFill>
+          </a:ln>
+        </p:spPr>
+        <p:style>
+          <a:lnRef idx="2">
+            <a:schemeClr val="accent1">
+              <a:shade val="50000"/>
+            </a:schemeClr>
+          </a:lnRef>
+          <a:fillRef idx="1">
+            <a:schemeClr val="accent1"/>
+          </a:fillRef>
+          <a:effectRef idx="0">
+            <a:schemeClr val="accent1"/>
+          </a:effectRef>
+          <a:fontRef idx="minor">
+            <a:schemeClr val="lt1"/>
+          </a:fontRef>
+        </p:style>
+        <p:txBody>
+          <a:bodyPr rtlCol="0" anchor="ctr"/>
+          <a:lstStyle/>
+          <a:p>
+            <a:pPr algn="ctr"/>
+            <a:endParaRPr lang="ko-KR" altLang="en-US"/>
+          </a:p>
+        </p:txBody>
+      </p:sp>
+      <p:sp>
+        <p:nvSpPr>
+          <p:cNvPr id="6" name="화살표: 오른쪽 5">
+            <a:extLst>
+              <a:ext uri="{FF2B5EF4-FFF2-40B4-BE49-F238E27FC236}">
+                <a16:creationId xmlns:a16="http://schemas.microsoft.com/office/drawing/2014/main" id="{B3561398-7939-C4D1-FE6B-E58CA26E2EEF}"/>
+              </a:ext>
+            </a:extLst>
+          </p:cNvPr>
+          <p:cNvSpPr/>
+          <p:nvPr/>
+        </p:nvSpPr>
+        <p:spPr>
+          <a:xfrm>
+            <a:off x="1995979" y="1963359"/>
+            <a:ext cx="262467" cy="220133"/>
+          </a:xfrm>
+          <a:prstGeom prst="rightArrow">
+            <a:avLst/>
+          </a:prstGeom>
+          <a:solidFill>
+            <a:schemeClr val="bg2"/>
+          </a:solidFill>
+          <a:ln>
+            <a:solidFill>
+              <a:schemeClr val="tx1"/>
+            </a:solidFill>
+          </a:ln>
+        </p:spPr>
+        <p:style>
+          <a:lnRef idx="2">
+            <a:schemeClr val="accent1">
+              <a:shade val="50000"/>
+            </a:schemeClr>
+          </a:lnRef>
+          <a:fillRef idx="1">
+            <a:schemeClr val="accent1"/>
+          </a:fillRef>
+          <a:effectRef idx="0">
+            <a:schemeClr val="accent1"/>
+          </a:effectRef>
+          <a:fontRef idx="minor">
+            <a:schemeClr val="lt1"/>
+          </a:fontRef>
+        </p:style>
+        <p:txBody>
+          <a:bodyPr rtlCol="0" anchor="ctr"/>
+          <a:lstStyle/>
+          <a:p>
+            <a:pPr algn="ctr"/>
+            <a:endParaRPr lang="ko-KR" altLang="en-US"/>
+          </a:p>
+        </p:txBody>
+      </p:sp>
+      <p:sp>
+        <p:nvSpPr>
+          <p:cNvPr id="7" name="직사각형 6">
+            <a:extLst>
+              <a:ext uri="{FF2B5EF4-FFF2-40B4-BE49-F238E27FC236}">
+                <a16:creationId xmlns:a16="http://schemas.microsoft.com/office/drawing/2014/main" id="{1D0F6750-0BF5-0D15-C6B1-5C5EAAABE750}"/>
+              </a:ext>
+            </a:extLst>
+          </p:cNvPr>
+          <p:cNvSpPr/>
+          <p:nvPr/>
+        </p:nvSpPr>
+        <p:spPr>
+          <a:xfrm>
+            <a:off x="2789766" y="1963369"/>
+            <a:ext cx="4415367" cy="339575"/>
+          </a:xfrm>
+          <a:prstGeom prst="rect">
+            <a:avLst/>
+          </a:prstGeom>
+          <a:solidFill>
+            <a:schemeClr val="bg2"/>
+          </a:solidFill>
+          <a:ln>
+            <a:solidFill>
+              <a:schemeClr val="tx1"/>
+            </a:solidFill>
+          </a:ln>
+        </p:spPr>
+        <p:style>
+          <a:lnRef idx="2">
+            <a:schemeClr val="accent1">
+              <a:shade val="50000"/>
+            </a:schemeClr>
+          </a:lnRef>
+          <a:fillRef idx="1">
+            <a:schemeClr val="accent1"/>
+          </a:fillRef>
+          <a:effectRef idx="0">
+            <a:schemeClr val="accent1"/>
+          </a:effectRef>
+          <a:fontRef idx="minor">
+            <a:schemeClr val="lt1"/>
+          </a:fontRef>
+        </p:style>
+        <p:txBody>
+          <a:bodyPr rtlCol="0" anchor="ctr"/>
+          <a:lstStyle/>
+          <a:p>
+            <a:r>
+              <a:rPr lang="en-US" altLang="ko-KR" sz="1400" dirty="0">
+                <a:solidFill>
+                  <a:schemeClr val="tx1"/>
+                </a:solidFill>
+              </a:rPr>
+              <a:t>C\...</a:t>
+            </a:r>
+            <a:endParaRPr lang="ko-KR" altLang="en-US" sz="1400" dirty="0">
+              <a:solidFill>
+                <a:schemeClr val="tx1"/>
+              </a:solidFill>
+            </a:endParaRPr>
+          </a:p>
+        </p:txBody>
+      </p:sp>
+      <p:sp>
+        <p:nvSpPr>
+          <p:cNvPr id="8" name="직사각형 7">
+            <a:extLst>
+              <a:ext uri="{FF2B5EF4-FFF2-40B4-BE49-F238E27FC236}">
+                <a16:creationId xmlns:a16="http://schemas.microsoft.com/office/drawing/2014/main" id="{B56CFF90-3071-4A78-A5DC-17E423D164BE}"/>
+              </a:ext>
+            </a:extLst>
+          </p:cNvPr>
+          <p:cNvSpPr/>
+          <p:nvPr/>
+        </p:nvSpPr>
+        <p:spPr>
+          <a:xfrm>
+            <a:off x="7323668" y="1976058"/>
+            <a:ext cx="330200" cy="326886"/>
+          </a:xfrm>
+          <a:prstGeom prst="rect">
+            <a:avLst/>
+          </a:prstGeom>
+          <a:solidFill>
+            <a:schemeClr val="bg2"/>
+          </a:solidFill>
+          <a:ln>
+            <a:solidFill>
+              <a:schemeClr val="tx1"/>
+            </a:solidFill>
+          </a:ln>
+        </p:spPr>
+        <p:style>
+          <a:lnRef idx="2">
+            <a:schemeClr val="accent1">
+              <a:shade val="50000"/>
+            </a:schemeClr>
+          </a:lnRef>
+          <a:fillRef idx="1">
+            <a:schemeClr val="accent1"/>
+          </a:fillRef>
+          <a:effectRef idx="0">
+            <a:schemeClr val="accent1"/>
+          </a:effectRef>
+          <a:fontRef idx="minor">
+            <a:schemeClr val="lt1"/>
+          </a:fontRef>
+        </p:style>
+        <p:txBody>
+          <a:bodyPr rtlCol="0" anchor="ctr"/>
+          <a:lstStyle/>
+          <a:p>
+            <a:pPr algn="ctr"/>
+            <a:r>
+              <a:rPr lang="en-US" altLang="ko-KR" dirty="0">
+                <a:solidFill>
+                  <a:srgbClr val="FF0000"/>
+                </a:solidFill>
+              </a:rPr>
+              <a:t>X</a:t>
+            </a:r>
+            <a:endParaRPr lang="ko-KR" altLang="en-US" dirty="0">
+              <a:solidFill>
+                <a:srgbClr val="FF0000"/>
+              </a:solidFill>
+            </a:endParaRPr>
+          </a:p>
+        </p:txBody>
+      </p:sp>
+      <p:sp>
+        <p:nvSpPr>
+          <p:cNvPr id="10" name="직사각형 9">
+            <a:extLst>
+              <a:ext uri="{FF2B5EF4-FFF2-40B4-BE49-F238E27FC236}">
+                <a16:creationId xmlns:a16="http://schemas.microsoft.com/office/drawing/2014/main" id="{63A6B9C5-2D5A-C359-33E9-819193E4CEF7}"/>
+              </a:ext>
+            </a:extLst>
+          </p:cNvPr>
+          <p:cNvSpPr/>
+          <p:nvPr/>
+        </p:nvSpPr>
+        <p:spPr>
+          <a:xfrm>
+            <a:off x="2789767" y="4826909"/>
+            <a:ext cx="4144434" cy="339575"/>
+          </a:xfrm>
+          <a:prstGeom prst="rect">
+            <a:avLst/>
+          </a:prstGeom>
+          <a:solidFill>
+            <a:schemeClr val="bg2"/>
+          </a:solidFill>
+          <a:ln>
+            <a:solidFill>
+              <a:schemeClr val="tx1"/>
+            </a:solidFill>
+          </a:ln>
+        </p:spPr>
+        <p:style>
+          <a:lnRef idx="2">
+            <a:schemeClr val="accent1">
+              <a:shade val="50000"/>
+            </a:schemeClr>
+          </a:lnRef>
+          <a:fillRef idx="1">
+            <a:schemeClr val="accent1"/>
+          </a:fillRef>
+          <a:effectRef idx="0">
+            <a:schemeClr val="accent1"/>
+          </a:effectRef>
+          <a:fontRef idx="minor">
+            <a:schemeClr val="lt1"/>
+          </a:fontRef>
+        </p:style>
+        <p:txBody>
+          <a:bodyPr rtlCol="0" anchor="ctr"/>
+          <a:lstStyle/>
+          <a:p>
+            <a:r>
+              <a:rPr lang="en-US" altLang="ko-KR" sz="1400" dirty="0" err="1">
+                <a:solidFill>
+                  <a:schemeClr val="tx1"/>
+                </a:solidFill>
+              </a:rPr>
+              <a:t>Sample.cs</a:t>
+            </a:r>
+            <a:endParaRPr lang="en-US" altLang="ko-KR" sz="1400" dirty="0">
+              <a:solidFill>
+                <a:schemeClr val="tx1"/>
+              </a:solidFill>
+            </a:endParaRPr>
+          </a:p>
+        </p:txBody>
+      </p:sp>
+      <p:sp>
+        <p:nvSpPr>
+          <p:cNvPr id="11" name="직사각형 10">
+            <a:extLst>
+              <a:ext uri="{FF2B5EF4-FFF2-40B4-BE49-F238E27FC236}">
+                <a16:creationId xmlns:a16="http://schemas.microsoft.com/office/drawing/2014/main" id="{16461CF8-A79F-6A4F-759A-AC4C137BC56A}"/>
+              </a:ext>
+            </a:extLst>
+          </p:cNvPr>
+          <p:cNvSpPr/>
+          <p:nvPr/>
+        </p:nvSpPr>
+        <p:spPr>
+          <a:xfrm>
+            <a:off x="7061200" y="4826909"/>
+            <a:ext cx="592666" cy="339575"/>
+          </a:xfrm>
+          <a:prstGeom prst="rect">
+            <a:avLst/>
+          </a:prstGeom>
+          <a:solidFill>
+            <a:schemeClr val="bg2"/>
+          </a:solidFill>
+          <a:ln>
+            <a:solidFill>
+              <a:schemeClr val="tx1"/>
+            </a:solidFill>
+          </a:ln>
+        </p:spPr>
+        <p:style>
+          <a:lnRef idx="2">
+            <a:schemeClr val="accent1">
+              <a:shade val="50000"/>
+            </a:schemeClr>
+          </a:lnRef>
+          <a:fillRef idx="1">
+            <a:schemeClr val="accent1"/>
+          </a:fillRef>
+          <a:effectRef idx="0">
+            <a:schemeClr val="accent1"/>
+          </a:effectRef>
+          <a:fontRef idx="minor">
+            <a:schemeClr val="lt1"/>
+          </a:fontRef>
+        </p:style>
+        <p:txBody>
+          <a:bodyPr rtlCol="0" anchor="ctr"/>
+          <a:lstStyle/>
+          <a:p>
+            <a:pPr algn="ctr"/>
+            <a:r>
+              <a:rPr lang="ko-KR" altLang="en-US" sz="1200" dirty="0">
+                <a:solidFill>
+                  <a:schemeClr val="tx1"/>
+                </a:solidFill>
+              </a:rPr>
+              <a:t>저장</a:t>
+            </a:r>
+          </a:p>
+        </p:txBody>
+      </p:sp>
+      <p:sp>
+        <p:nvSpPr>
+          <p:cNvPr id="12" name="직사각형 11">
+            <a:extLst>
+              <a:ext uri="{FF2B5EF4-FFF2-40B4-BE49-F238E27FC236}">
+                <a16:creationId xmlns:a16="http://schemas.microsoft.com/office/drawing/2014/main" id="{434A1ABE-64FB-92E4-0484-995CBB4AF838}"/>
+              </a:ext>
+            </a:extLst>
+          </p:cNvPr>
+          <p:cNvSpPr/>
+          <p:nvPr/>
+        </p:nvSpPr>
+        <p:spPr>
+          <a:xfrm>
+            <a:off x="2789767" y="2497667"/>
+            <a:ext cx="4635500" cy="2109838"/>
+          </a:xfrm>
+          <a:prstGeom prst="rect">
+            <a:avLst/>
+          </a:prstGeom>
+          <a:solidFill>
+            <a:schemeClr val="bg2"/>
+          </a:solidFill>
+          <a:ln>
+            <a:solidFill>
+              <a:schemeClr val="tx1"/>
+            </a:solidFill>
+          </a:ln>
+        </p:spPr>
+        <p:style>
+          <a:lnRef idx="2">
+            <a:schemeClr val="accent1">
+              <a:shade val="50000"/>
+            </a:schemeClr>
+          </a:lnRef>
+          <a:fillRef idx="1">
+            <a:schemeClr val="accent1"/>
+          </a:fillRef>
+          <a:effectRef idx="0">
+            <a:schemeClr val="accent1"/>
+          </a:effectRef>
+          <a:fontRef idx="minor">
+            <a:schemeClr val="lt1"/>
+          </a:fontRef>
+        </p:style>
+        <p:txBody>
+          <a:bodyPr rtlCol="0" anchor="ctr"/>
+          <a:lstStyle/>
+          <a:p>
+            <a:pPr algn="ctr"/>
+            <a:endParaRPr lang="ko-KR" altLang="en-US"/>
+          </a:p>
+        </p:txBody>
+      </p:sp>
+      <p:sp>
+        <p:nvSpPr>
+          <p:cNvPr id="13" name="사각형: 둥근 모서리 12">
+            <a:extLst>
+              <a:ext uri="{FF2B5EF4-FFF2-40B4-BE49-F238E27FC236}">
+                <a16:creationId xmlns:a16="http://schemas.microsoft.com/office/drawing/2014/main" id="{463C7290-80B1-3241-4DDE-A33530433421}"/>
+              </a:ext>
+            </a:extLst>
+          </p:cNvPr>
+          <p:cNvSpPr/>
+          <p:nvPr/>
+        </p:nvSpPr>
+        <p:spPr>
+          <a:xfrm>
+            <a:off x="7552267" y="2491447"/>
+            <a:ext cx="93133" cy="2109838"/>
+          </a:xfrm>
+          <a:prstGeom prst="roundRect">
+            <a:avLst/>
+          </a:prstGeom>
+          <a:solidFill>
+            <a:schemeClr val="bg2"/>
+          </a:solidFill>
+          <a:ln>
+            <a:solidFill>
+              <a:schemeClr val="tx1"/>
+            </a:solidFill>
+          </a:ln>
+        </p:spPr>
+        <p:style>
+          <a:lnRef idx="2">
+            <a:schemeClr val="accent1">
+              <a:shade val="50000"/>
+            </a:schemeClr>
+          </a:lnRef>
+          <a:fillRef idx="1">
+            <a:schemeClr val="accent1"/>
+          </a:fillRef>
+          <a:effectRef idx="0">
+            <a:schemeClr val="accent1"/>
+          </a:effectRef>
+          <a:fontRef idx="minor">
+            <a:schemeClr val="lt1"/>
+          </a:fontRef>
+        </p:style>
+        <p:txBody>
+          <a:bodyPr rtlCol="0" anchor="ctr"/>
+          <a:lstStyle/>
+          <a:p>
+            <a:pPr algn="ctr"/>
+            <a:endParaRPr lang="ko-KR" altLang="en-US"/>
+          </a:p>
+        </p:txBody>
+      </p:sp>
+    </p:spTree>
+    <p:extLst>
+      <p:ext uri="{BB962C8B-B14F-4D97-AF65-F5344CB8AC3E}">
+        <p14:creationId xmlns:p14="http://schemas.microsoft.com/office/powerpoint/2010/main" val="4184748654"/>
       </p:ext>
     </p:extLst>
   </p:cSld>
